--- a/UML建模基础.pptx
+++ b/UML建模基础.pptx
@@ -5,24 +5,30 @@
     <p:sldMasterId id="2147483648" r:id="rId2"/>
   </p:sldMasterIdLst>
   <p:notesMasterIdLst>
-    <p:notesMasterId r:id="rId15"/>
+    <p:notesMasterId r:id="rId21"/>
   </p:notesMasterIdLst>
   <p:handoutMasterIdLst>
-    <p:handoutMasterId r:id="rId16"/>
+    <p:handoutMasterId r:id="rId22"/>
   </p:handoutMasterIdLst>
   <p:sldIdLst>
     <p:sldId id="261" r:id="rId3"/>
     <p:sldId id="257" r:id="rId4"/>
     <p:sldId id="271" r:id="rId5"/>
-    <p:sldId id="262" r:id="rId6"/>
-    <p:sldId id="263" r:id="rId7"/>
-    <p:sldId id="264" r:id="rId8"/>
-    <p:sldId id="265" r:id="rId9"/>
-    <p:sldId id="266" r:id="rId10"/>
-    <p:sldId id="267" r:id="rId11"/>
-    <p:sldId id="268" r:id="rId12"/>
-    <p:sldId id="269" r:id="rId13"/>
-    <p:sldId id="270" r:id="rId14"/>
+    <p:sldId id="272" r:id="rId6"/>
+    <p:sldId id="273" r:id="rId7"/>
+    <p:sldId id="274" r:id="rId8"/>
+    <p:sldId id="275" r:id="rId9"/>
+    <p:sldId id="276" r:id="rId10"/>
+    <p:sldId id="262" r:id="rId11"/>
+    <p:sldId id="263" r:id="rId12"/>
+    <p:sldId id="277" r:id="rId13"/>
+    <p:sldId id="264" r:id="rId14"/>
+    <p:sldId id="265" r:id="rId15"/>
+    <p:sldId id="266" r:id="rId16"/>
+    <p:sldId id="267" r:id="rId17"/>
+    <p:sldId id="268" r:id="rId18"/>
+    <p:sldId id="269" r:id="rId19"/>
+    <p:sldId id="270" r:id="rId20"/>
   </p:sldIdLst>
   <p:sldSz cx="12192000" cy="6858000"/>
   <p:notesSz cx="6858000" cy="9144000"/>
@@ -133,8 +139,14 @@
           <p14:sldIdLst>
             <p14:sldId id="257"/>
             <p14:sldId id="271"/>
+            <p14:sldId id="272"/>
+            <p14:sldId id="273"/>
+            <p14:sldId id="274"/>
+            <p14:sldId id="275"/>
+            <p14:sldId id="276"/>
             <p14:sldId id="262"/>
             <p14:sldId id="263"/>
+            <p14:sldId id="277"/>
             <p14:sldId id="264"/>
             <p14:sldId id="265"/>
             <p14:sldId id="266"/>
@@ -169,942 +181,6 @@
 
 <file path=ppt/revisionInfo.xml><?xml version="1.0" encoding="utf-8"?>
 <p1510:revInfo xmlns:a="http://schemas.openxmlformats.org/drawingml/2006/main" xmlns:r="http://schemas.openxmlformats.org/officeDocument/2006/relationships" xmlns:p1510="http://schemas.microsoft.com/office/powerpoint/2015/10/main"/>
-</file>
-
-<file path=ppt/charts/chart1.xml><?xml version="1.0" encoding="utf-8"?>
-<c:chartSpace xmlns:c="http://schemas.openxmlformats.org/drawingml/2006/chart" xmlns:a="http://schemas.openxmlformats.org/drawingml/2006/main" xmlns:r="http://schemas.openxmlformats.org/officeDocument/2006/relationships" xmlns:c16r2="http://schemas.microsoft.com/office/drawing/2015/06/chart">
-  <c:date1904 val="0"/>
-  <c:lang val="zh-CN"/>
-  <c:roundedCorners val="0"/>
-  <mc:AlternateContent xmlns:mc="http://schemas.openxmlformats.org/markup-compatibility/2006">
-    <mc:Choice xmlns:c14="http://schemas.microsoft.com/office/drawing/2007/8/2/chart" Requires="c14">
-      <c14:style val="103"/>
-    </mc:Choice>
-    <mc:Fallback>
-      <c:style val="3"/>
-    </mc:Fallback>
-  </mc:AlternateContent>
-  <c:chart>
-    <c:autoTitleDeleted val="1"/>
-    <c:plotArea>
-      <c:layout/>
-      <c:barChart>
-        <c:barDir val="col"/>
-        <c:grouping val="clustered"/>
-        <c:varyColors val="0"/>
-        <c:ser>
-          <c:idx val="0"/>
-          <c:order val="0"/>
-          <c:tx>
-            <c:strRef>
-              <c:f>Sheet1!$B$1</c:f>
-              <c:strCache>
-                <c:ptCount val="1"/>
-                <c:pt idx="0">
-                  <c:v>系列 1</c:v>
-                </c:pt>
-              </c:strCache>
-            </c:strRef>
-          </c:tx>
-          <c:spPr>
-            <a:solidFill>
-              <a:schemeClr val="accent1">
-                <a:shade val="65000"/>
-              </a:schemeClr>
-            </a:solidFill>
-            <a:ln>
-              <a:noFill/>
-            </a:ln>
-            <a:effectLst/>
-          </c:spPr>
-          <c:invertIfNegative val="0"/>
-          <c:cat>
-            <c:strRef>
-              <c:f>Sheet1!$A$2:$A$5</c:f>
-              <c:strCache>
-                <c:ptCount val="4"/>
-                <c:pt idx="0">
-                  <c:v>类别 1</c:v>
-                </c:pt>
-                <c:pt idx="1">
-                  <c:v>类别 2</c:v>
-                </c:pt>
-                <c:pt idx="2">
-                  <c:v>类别 3</c:v>
-                </c:pt>
-                <c:pt idx="3">
-                  <c:v>类别 4</c:v>
-                </c:pt>
-              </c:strCache>
-            </c:strRef>
-          </c:cat>
-          <c:val>
-            <c:numRef>
-              <c:f>Sheet1!$B$2:$B$5</c:f>
-              <c:numCache>
-                <c:formatCode>General</c:formatCode>
-                <c:ptCount val="4"/>
-                <c:pt idx="0">
-                  <c:v>4.3</c:v>
-                </c:pt>
-                <c:pt idx="1">
-                  <c:v>2.5</c:v>
-                </c:pt>
-                <c:pt idx="2">
-                  <c:v>3.5</c:v>
-                </c:pt>
-                <c:pt idx="3">
-                  <c:v>4.5</c:v>
-                </c:pt>
-              </c:numCache>
-            </c:numRef>
-          </c:val>
-          <c:extLst>
-            <c:ext xmlns:c16="http://schemas.microsoft.com/office/drawing/2014/chart" uri="{C3380CC4-5D6E-409C-BE32-E72D297353CC}">
-              <c16:uniqueId val="{00000000-9730-4B70-8643-DF907A36B5C2}"/>
-            </c:ext>
-          </c:extLst>
-        </c:ser>
-        <c:ser>
-          <c:idx val="1"/>
-          <c:order val="1"/>
-          <c:tx>
-            <c:strRef>
-              <c:f>Sheet1!$C$1</c:f>
-              <c:strCache>
-                <c:ptCount val="1"/>
-                <c:pt idx="0">
-                  <c:v>系列 2</c:v>
-                </c:pt>
-              </c:strCache>
-            </c:strRef>
-          </c:tx>
-          <c:spPr>
-            <a:solidFill>
-              <a:schemeClr val="accent1"/>
-            </a:solidFill>
-            <a:ln>
-              <a:noFill/>
-            </a:ln>
-            <a:effectLst/>
-          </c:spPr>
-          <c:invertIfNegative val="0"/>
-          <c:cat>
-            <c:strRef>
-              <c:f>Sheet1!$A$2:$A$5</c:f>
-              <c:strCache>
-                <c:ptCount val="4"/>
-                <c:pt idx="0">
-                  <c:v>类别 1</c:v>
-                </c:pt>
-                <c:pt idx="1">
-                  <c:v>类别 2</c:v>
-                </c:pt>
-                <c:pt idx="2">
-                  <c:v>类别 3</c:v>
-                </c:pt>
-                <c:pt idx="3">
-                  <c:v>类别 4</c:v>
-                </c:pt>
-              </c:strCache>
-            </c:strRef>
-          </c:cat>
-          <c:val>
-            <c:numRef>
-              <c:f>Sheet1!$C$2:$C$5</c:f>
-              <c:numCache>
-                <c:formatCode>General</c:formatCode>
-                <c:ptCount val="4"/>
-                <c:pt idx="0">
-                  <c:v>2.4</c:v>
-                </c:pt>
-                <c:pt idx="1">
-                  <c:v>4.4000000000000004</c:v>
-                </c:pt>
-                <c:pt idx="2">
-                  <c:v>1.8</c:v>
-                </c:pt>
-                <c:pt idx="3">
-                  <c:v>2.8</c:v>
-                </c:pt>
-              </c:numCache>
-            </c:numRef>
-          </c:val>
-          <c:extLst>
-            <c:ext xmlns:c16="http://schemas.microsoft.com/office/drawing/2014/chart" uri="{C3380CC4-5D6E-409C-BE32-E72D297353CC}">
-              <c16:uniqueId val="{00000001-9730-4B70-8643-DF907A36B5C2}"/>
-            </c:ext>
-          </c:extLst>
-        </c:ser>
-        <c:ser>
-          <c:idx val="2"/>
-          <c:order val="2"/>
-          <c:tx>
-            <c:strRef>
-              <c:f>Sheet1!$D$1</c:f>
-              <c:strCache>
-                <c:ptCount val="1"/>
-                <c:pt idx="0">
-                  <c:v>系列 3</c:v>
-                </c:pt>
-              </c:strCache>
-            </c:strRef>
-          </c:tx>
-          <c:spPr>
-            <a:solidFill>
-              <a:schemeClr val="accent1">
-                <a:tint val="65000"/>
-              </a:schemeClr>
-            </a:solidFill>
-            <a:ln>
-              <a:noFill/>
-            </a:ln>
-            <a:effectLst/>
-          </c:spPr>
-          <c:invertIfNegative val="0"/>
-          <c:cat>
-            <c:strRef>
-              <c:f>Sheet1!$A$2:$A$5</c:f>
-              <c:strCache>
-                <c:ptCount val="4"/>
-                <c:pt idx="0">
-                  <c:v>类别 1</c:v>
-                </c:pt>
-                <c:pt idx="1">
-                  <c:v>类别 2</c:v>
-                </c:pt>
-                <c:pt idx="2">
-                  <c:v>类别 3</c:v>
-                </c:pt>
-                <c:pt idx="3">
-                  <c:v>类别 4</c:v>
-                </c:pt>
-              </c:strCache>
-            </c:strRef>
-          </c:cat>
-          <c:val>
-            <c:numRef>
-              <c:f>Sheet1!$D$2:$D$5</c:f>
-              <c:numCache>
-                <c:formatCode>General</c:formatCode>
-                <c:ptCount val="4"/>
-                <c:pt idx="0">
-                  <c:v>2</c:v>
-                </c:pt>
-                <c:pt idx="1">
-                  <c:v>2</c:v>
-                </c:pt>
-                <c:pt idx="2">
-                  <c:v>3</c:v>
-                </c:pt>
-                <c:pt idx="3">
-                  <c:v>5</c:v>
-                </c:pt>
-              </c:numCache>
-            </c:numRef>
-          </c:val>
-          <c:extLst>
-            <c:ext xmlns:c16="http://schemas.microsoft.com/office/drawing/2014/chart" uri="{C3380CC4-5D6E-409C-BE32-E72D297353CC}">
-              <c16:uniqueId val="{00000002-9730-4B70-8643-DF907A36B5C2}"/>
-            </c:ext>
-          </c:extLst>
-        </c:ser>
-        <c:dLbls>
-          <c:showLegendKey val="0"/>
-          <c:showVal val="0"/>
-          <c:showCatName val="0"/>
-          <c:showSerName val="0"/>
-          <c:showPercent val="0"/>
-          <c:showBubbleSize val="0"/>
-        </c:dLbls>
-        <c:gapWidth val="219"/>
-        <c:overlap val="-27"/>
-        <c:axId val="134674768"/>
-        <c:axId val="134675328"/>
-      </c:barChart>
-      <c:catAx>
-        <c:axId val="134674768"/>
-        <c:scaling>
-          <c:orientation val="minMax"/>
-        </c:scaling>
-        <c:delete val="0"/>
-        <c:axPos val="b"/>
-        <c:numFmt formatCode="General" sourceLinked="1"/>
-        <c:majorTickMark val="none"/>
-        <c:minorTickMark val="none"/>
-        <c:tickLblPos val="nextTo"/>
-        <c:spPr>
-          <a:noFill/>
-          <a:ln w="9525" cap="flat" cmpd="sng" algn="ctr">
-            <a:solidFill>
-              <a:schemeClr val="tx1">
-                <a:lumMod val="15000"/>
-                <a:lumOff val="85000"/>
-              </a:schemeClr>
-            </a:solidFill>
-            <a:round/>
-          </a:ln>
-          <a:effectLst/>
-        </c:spPr>
-        <c:txPr>
-          <a:bodyPr rot="-60000000" spcFirstLastPara="1" vertOverflow="ellipsis" vert="horz" wrap="square" anchor="ctr" anchorCtr="1"/>
-          <a:lstStyle/>
-          <a:p>
-            <a:pPr>
-              <a:defRPr sz="1197" b="0" i="0" u="none" strike="noStrike" kern="1200" baseline="0">
-                <a:solidFill>
-                  <a:schemeClr val="tx1">
-                    <a:lumMod val="65000"/>
-                    <a:lumOff val="35000"/>
-                  </a:schemeClr>
-                </a:solidFill>
-                <a:latin typeface="Microsoft YaHei UI" panose="020B0503020204020204" pitchFamily="34" charset="-122"/>
-                <a:ea typeface="Microsoft YaHei UI" panose="020B0503020204020204" pitchFamily="34" charset="-122"/>
-                <a:cs typeface="+mn-cs"/>
-              </a:defRPr>
-            </a:pPr>
-            <a:endParaRPr lang="zh-CN"/>
-          </a:p>
-        </c:txPr>
-        <c:crossAx val="134675328"/>
-        <c:crosses val="autoZero"/>
-        <c:auto val="1"/>
-        <c:lblAlgn val="ctr"/>
-        <c:lblOffset val="100"/>
-        <c:noMultiLvlLbl val="0"/>
-      </c:catAx>
-      <c:valAx>
-        <c:axId val="134675328"/>
-        <c:scaling>
-          <c:orientation val="minMax"/>
-        </c:scaling>
-        <c:delete val="0"/>
-        <c:axPos val="l"/>
-        <c:majorGridlines>
-          <c:spPr>
-            <a:ln w="9525" cap="flat" cmpd="sng" algn="ctr">
-              <a:solidFill>
-                <a:schemeClr val="tx1">
-                  <a:lumMod val="15000"/>
-                  <a:lumOff val="85000"/>
-                </a:schemeClr>
-              </a:solidFill>
-              <a:round/>
-            </a:ln>
-            <a:effectLst/>
-          </c:spPr>
-        </c:majorGridlines>
-        <c:numFmt formatCode="General" sourceLinked="1"/>
-        <c:majorTickMark val="none"/>
-        <c:minorTickMark val="none"/>
-        <c:tickLblPos val="nextTo"/>
-        <c:spPr>
-          <a:noFill/>
-          <a:ln>
-            <a:noFill/>
-          </a:ln>
-          <a:effectLst/>
-        </c:spPr>
-        <c:txPr>
-          <a:bodyPr rot="-60000000" spcFirstLastPara="1" vertOverflow="ellipsis" vert="horz" wrap="square" anchor="ctr" anchorCtr="1"/>
-          <a:lstStyle/>
-          <a:p>
-            <a:pPr>
-              <a:defRPr sz="1197" b="0" i="0" u="none" strike="noStrike" kern="1200" baseline="0">
-                <a:solidFill>
-                  <a:schemeClr val="tx1">
-                    <a:lumMod val="65000"/>
-                    <a:lumOff val="35000"/>
-                  </a:schemeClr>
-                </a:solidFill>
-                <a:latin typeface="Microsoft YaHei UI" panose="020B0503020204020204" pitchFamily="34" charset="-122"/>
-                <a:ea typeface="Microsoft YaHei UI" panose="020B0503020204020204" pitchFamily="34" charset="-122"/>
-                <a:cs typeface="+mn-cs"/>
-              </a:defRPr>
-            </a:pPr>
-            <a:endParaRPr lang="zh-CN"/>
-          </a:p>
-        </c:txPr>
-        <c:crossAx val="134674768"/>
-        <c:crosses val="autoZero"/>
-        <c:crossBetween val="between"/>
-      </c:valAx>
-      <c:spPr>
-        <a:noFill/>
-        <a:ln>
-          <a:noFill/>
-        </a:ln>
-        <a:effectLst/>
-      </c:spPr>
-    </c:plotArea>
-    <c:legend>
-      <c:legendPos val="b"/>
-      <c:overlay val="0"/>
-      <c:spPr>
-        <a:noFill/>
-        <a:ln>
-          <a:noFill/>
-        </a:ln>
-        <a:effectLst/>
-      </c:spPr>
-      <c:txPr>
-        <a:bodyPr rot="0" spcFirstLastPara="1" vertOverflow="ellipsis" vert="horz" wrap="square" anchor="ctr" anchorCtr="1"/>
-        <a:lstStyle/>
-        <a:p>
-          <a:pPr>
-            <a:defRPr sz="1197" b="0" i="0" u="none" strike="noStrike" kern="1200" baseline="0">
-              <a:solidFill>
-                <a:schemeClr val="tx1">
-                  <a:lumMod val="65000"/>
-                  <a:lumOff val="35000"/>
-                </a:schemeClr>
-              </a:solidFill>
-              <a:latin typeface="Microsoft YaHei UI" panose="020B0503020204020204" pitchFamily="34" charset="-122"/>
-              <a:ea typeface="Microsoft YaHei UI" panose="020B0503020204020204" pitchFamily="34" charset="-122"/>
-              <a:cs typeface="+mn-cs"/>
-            </a:defRPr>
-          </a:pPr>
-          <a:endParaRPr lang="zh-CN"/>
-        </a:p>
-      </c:txPr>
-    </c:legend>
-    <c:plotVisOnly val="1"/>
-    <c:dispBlanksAs val="gap"/>
-    <c:showDLblsOverMax val="0"/>
-  </c:chart>
-  <c:spPr>
-    <a:noFill/>
-    <a:ln>
-      <a:noFill/>
-    </a:ln>
-    <a:effectLst/>
-  </c:spPr>
-  <c:txPr>
-    <a:bodyPr/>
-    <a:lstStyle/>
-    <a:p>
-      <a:pPr>
-        <a:defRPr>
-          <a:latin typeface="Microsoft YaHei UI" panose="020B0503020204020204" pitchFamily="34" charset="-122"/>
-          <a:ea typeface="Microsoft YaHei UI" panose="020B0503020204020204" pitchFamily="34" charset="-122"/>
-        </a:defRPr>
-      </a:pPr>
-      <a:endParaRPr lang="zh-CN"/>
-    </a:p>
-  </c:txPr>
-  <c:externalData r:id="rId3">
-    <c:autoUpdate val="0"/>
-  </c:externalData>
-</c:chartSpace>
-</file>
-
-<file path=ppt/charts/colors1.xml><?xml version="1.0" encoding="utf-8"?>
-<cs:colorStyle xmlns:cs="http://schemas.microsoft.com/office/drawing/2012/chartStyle" xmlns:a="http://schemas.openxmlformats.org/drawingml/2006/main" meth="withinLinear" id="14">
-  <a:schemeClr val="accent1"/>
-</cs:colorStyle>
-</file>
-
-<file path=ppt/charts/style1.xml><?xml version="1.0" encoding="utf-8"?>
-<cs:chartStyle xmlns:cs="http://schemas.microsoft.com/office/drawing/2012/chartStyle" xmlns:a="http://schemas.openxmlformats.org/drawingml/2006/main" id="201">
-  <cs:axisTitle>
-    <cs:lnRef idx="0"/>
-    <cs:fillRef idx="0"/>
-    <cs:effectRef idx="0"/>
-    <cs:fontRef idx="minor">
-      <a:schemeClr val="tx1">
-        <a:lumMod val="65000"/>
-        <a:lumOff val="35000"/>
-      </a:schemeClr>
-    </cs:fontRef>
-    <cs:defRPr sz="1330" kern="1200"/>
-  </cs:axisTitle>
-  <cs:categoryAxis>
-    <cs:lnRef idx="0"/>
-    <cs:fillRef idx="0"/>
-    <cs:effectRef idx="0"/>
-    <cs:fontRef idx="minor">
-      <a:schemeClr val="tx1">
-        <a:lumMod val="65000"/>
-        <a:lumOff val="35000"/>
-      </a:schemeClr>
-    </cs:fontRef>
-    <cs:spPr>
-      <a:ln w="9525" cap="flat" cmpd="sng" algn="ctr">
-        <a:solidFill>
-          <a:schemeClr val="tx1">
-            <a:lumMod val="15000"/>
-            <a:lumOff val="85000"/>
-          </a:schemeClr>
-        </a:solidFill>
-        <a:round/>
-      </a:ln>
-    </cs:spPr>
-    <cs:defRPr sz="1197" kern="1200"/>
-  </cs:categoryAxis>
-  <cs:chartArea mods="allowNoFillOverride allowNoLineOverride">
-    <cs:lnRef idx="0"/>
-    <cs:fillRef idx="0"/>
-    <cs:effectRef idx="0"/>
-    <cs:fontRef idx="minor">
-      <a:schemeClr val="tx1"/>
-    </cs:fontRef>
-    <cs:spPr>
-      <a:solidFill>
-        <a:schemeClr val="bg1"/>
-      </a:solidFill>
-      <a:ln w="9525" cap="flat" cmpd="sng" algn="ctr">
-        <a:solidFill>
-          <a:schemeClr val="tx1">
-            <a:lumMod val="15000"/>
-            <a:lumOff val="85000"/>
-          </a:schemeClr>
-        </a:solidFill>
-        <a:round/>
-      </a:ln>
-    </cs:spPr>
-    <cs:defRPr sz="1330" kern="1200"/>
-  </cs:chartArea>
-  <cs:dataLabel>
-    <cs:lnRef idx="0"/>
-    <cs:fillRef idx="0"/>
-    <cs:effectRef idx="0"/>
-    <cs:fontRef idx="minor">
-      <a:schemeClr val="tx1">
-        <a:lumMod val="75000"/>
-        <a:lumOff val="25000"/>
-      </a:schemeClr>
-    </cs:fontRef>
-    <cs:defRPr sz="1197" kern="1200"/>
-  </cs:dataLabel>
-  <cs:dataLabelCallout>
-    <cs:lnRef idx="0"/>
-    <cs:fillRef idx="0"/>
-    <cs:effectRef idx="0"/>
-    <cs:fontRef idx="minor">
-      <a:schemeClr val="dk1">
-        <a:lumMod val="65000"/>
-        <a:lumOff val="35000"/>
-      </a:schemeClr>
-    </cs:fontRef>
-    <cs:spPr>
-      <a:solidFill>
-        <a:schemeClr val="lt1"/>
-      </a:solidFill>
-      <a:ln>
-        <a:solidFill>
-          <a:schemeClr val="dk1">
-            <a:lumMod val="25000"/>
-            <a:lumOff val="75000"/>
-          </a:schemeClr>
-        </a:solidFill>
-      </a:ln>
-    </cs:spPr>
-    <cs:defRPr sz="1197" kern="1200"/>
-    <cs:bodyPr rot="0" spcFirstLastPara="1" vertOverflow="clip" horzOverflow="clip" vert="horz" wrap="square" lIns="36576" tIns="18288" rIns="36576" bIns="18288" anchor="ctr" anchorCtr="1">
-      <a:spAutoFit/>
-    </cs:bodyPr>
-  </cs:dataLabelCallout>
-  <cs:dataPoint>
-    <cs:lnRef idx="0"/>
-    <cs:fillRef idx="1">
-      <cs:styleClr val="auto"/>
-    </cs:fillRef>
-    <cs:effectRef idx="0"/>
-    <cs:fontRef idx="minor">
-      <a:schemeClr val="tx1"/>
-    </cs:fontRef>
-  </cs:dataPoint>
-  <cs:dataPoint3D>
-    <cs:lnRef idx="0"/>
-    <cs:fillRef idx="1">
-      <cs:styleClr val="auto"/>
-    </cs:fillRef>
-    <cs:effectRef idx="0"/>
-    <cs:fontRef idx="minor">
-      <a:schemeClr val="tx1"/>
-    </cs:fontRef>
-  </cs:dataPoint3D>
-  <cs:dataPointLine>
-    <cs:lnRef idx="0">
-      <cs:styleClr val="auto"/>
-    </cs:lnRef>
-    <cs:fillRef idx="1"/>
-    <cs:effectRef idx="0"/>
-    <cs:fontRef idx="minor">
-      <a:schemeClr val="tx1"/>
-    </cs:fontRef>
-    <cs:spPr>
-      <a:ln w="28575" cap="rnd">
-        <a:solidFill>
-          <a:schemeClr val="phClr"/>
-        </a:solidFill>
-        <a:round/>
-      </a:ln>
-    </cs:spPr>
-  </cs:dataPointLine>
-  <cs:dataPointMarker>
-    <cs:lnRef idx="0">
-      <cs:styleClr val="auto"/>
-    </cs:lnRef>
-    <cs:fillRef idx="1">
-      <cs:styleClr val="auto"/>
-    </cs:fillRef>
-    <cs:effectRef idx="0"/>
-    <cs:fontRef idx="minor">
-      <a:schemeClr val="tx1"/>
-    </cs:fontRef>
-    <cs:spPr>
-      <a:ln w="9525">
-        <a:solidFill>
-          <a:schemeClr val="phClr"/>
-        </a:solidFill>
-      </a:ln>
-    </cs:spPr>
-  </cs:dataPointMarker>
-  <cs:dataPointMarkerLayout symbol="circle" size="5"/>
-  <cs:dataPointWireframe>
-    <cs:lnRef idx="0">
-      <cs:styleClr val="auto"/>
-    </cs:lnRef>
-    <cs:fillRef idx="1"/>
-    <cs:effectRef idx="0"/>
-    <cs:fontRef idx="minor">
-      <a:schemeClr val="tx1"/>
-    </cs:fontRef>
-    <cs:spPr>
-      <a:ln w="9525" cap="rnd">
-        <a:solidFill>
-          <a:schemeClr val="phClr"/>
-        </a:solidFill>
-        <a:round/>
-      </a:ln>
-    </cs:spPr>
-  </cs:dataPointWireframe>
-  <cs:dataTable>
-    <cs:lnRef idx="0"/>
-    <cs:fillRef idx="0"/>
-    <cs:effectRef idx="0"/>
-    <cs:fontRef idx="minor">
-      <a:schemeClr val="tx1">
-        <a:lumMod val="65000"/>
-        <a:lumOff val="35000"/>
-      </a:schemeClr>
-    </cs:fontRef>
-    <cs:spPr>
-      <a:noFill/>
-      <a:ln w="9525" cap="flat" cmpd="sng" algn="ctr">
-        <a:solidFill>
-          <a:schemeClr val="tx1">
-            <a:lumMod val="15000"/>
-            <a:lumOff val="85000"/>
-          </a:schemeClr>
-        </a:solidFill>
-        <a:round/>
-      </a:ln>
-    </cs:spPr>
-    <cs:defRPr sz="1197" kern="1200"/>
-  </cs:dataTable>
-  <cs:downBar>
-    <cs:lnRef idx="0"/>
-    <cs:fillRef idx="0"/>
-    <cs:effectRef idx="0"/>
-    <cs:fontRef idx="minor">
-      <a:schemeClr val="dk1"/>
-    </cs:fontRef>
-    <cs:spPr>
-      <a:solidFill>
-        <a:schemeClr val="dk1">
-          <a:lumMod val="65000"/>
-          <a:lumOff val="35000"/>
-        </a:schemeClr>
-      </a:solidFill>
-      <a:ln w="9525">
-        <a:solidFill>
-          <a:schemeClr val="tx1">
-            <a:lumMod val="65000"/>
-            <a:lumOff val="35000"/>
-          </a:schemeClr>
-        </a:solidFill>
-      </a:ln>
-    </cs:spPr>
-  </cs:downBar>
-  <cs:dropLine>
-    <cs:lnRef idx="0"/>
-    <cs:fillRef idx="0"/>
-    <cs:effectRef idx="0"/>
-    <cs:fontRef idx="minor">
-      <a:schemeClr val="tx1"/>
-    </cs:fontRef>
-    <cs:spPr>
-      <a:ln w="9525" cap="flat" cmpd="sng" algn="ctr">
-        <a:solidFill>
-          <a:schemeClr val="tx1">
-            <a:lumMod val="35000"/>
-            <a:lumOff val="65000"/>
-          </a:schemeClr>
-        </a:solidFill>
-        <a:round/>
-      </a:ln>
-    </cs:spPr>
-  </cs:dropLine>
-  <cs:errorBar>
-    <cs:lnRef idx="0"/>
-    <cs:fillRef idx="0"/>
-    <cs:effectRef idx="0"/>
-    <cs:fontRef idx="minor">
-      <a:schemeClr val="tx1"/>
-    </cs:fontRef>
-    <cs:spPr>
-      <a:ln w="9525" cap="flat" cmpd="sng" algn="ctr">
-        <a:solidFill>
-          <a:schemeClr val="tx1">
-            <a:lumMod val="65000"/>
-            <a:lumOff val="35000"/>
-          </a:schemeClr>
-        </a:solidFill>
-        <a:round/>
-      </a:ln>
-    </cs:spPr>
-  </cs:errorBar>
-  <cs:floor>
-    <cs:lnRef idx="0"/>
-    <cs:fillRef idx="0"/>
-    <cs:effectRef idx="0"/>
-    <cs:fontRef idx="minor">
-      <a:schemeClr val="tx1"/>
-    </cs:fontRef>
-    <cs:spPr>
-      <a:noFill/>
-      <a:ln>
-        <a:noFill/>
-      </a:ln>
-    </cs:spPr>
-  </cs:floor>
-  <cs:gridlineMajor>
-    <cs:lnRef idx="0"/>
-    <cs:fillRef idx="0"/>
-    <cs:effectRef idx="0"/>
-    <cs:fontRef idx="minor">
-      <a:schemeClr val="tx1"/>
-    </cs:fontRef>
-    <cs:spPr>
-      <a:ln w="9525" cap="flat" cmpd="sng" algn="ctr">
-        <a:solidFill>
-          <a:schemeClr val="tx1">
-            <a:lumMod val="15000"/>
-            <a:lumOff val="85000"/>
-          </a:schemeClr>
-        </a:solidFill>
-        <a:round/>
-      </a:ln>
-    </cs:spPr>
-  </cs:gridlineMajor>
-  <cs:gridlineMinor>
-    <cs:lnRef idx="0"/>
-    <cs:fillRef idx="0"/>
-    <cs:effectRef idx="0"/>
-    <cs:fontRef idx="minor">
-      <a:schemeClr val="tx1"/>
-    </cs:fontRef>
-    <cs:spPr>
-      <a:ln w="9525" cap="flat" cmpd="sng" algn="ctr">
-        <a:solidFill>
-          <a:schemeClr val="tx1">
-            <a:lumMod val="5000"/>
-            <a:lumOff val="95000"/>
-          </a:schemeClr>
-        </a:solidFill>
-        <a:round/>
-      </a:ln>
-    </cs:spPr>
-  </cs:gridlineMinor>
-  <cs:hiLoLine>
-    <cs:lnRef idx="0"/>
-    <cs:fillRef idx="0"/>
-    <cs:effectRef idx="0"/>
-    <cs:fontRef idx="minor">
-      <a:schemeClr val="tx1"/>
-    </cs:fontRef>
-    <cs:spPr>
-      <a:ln w="9525" cap="flat" cmpd="sng" algn="ctr">
-        <a:solidFill>
-          <a:schemeClr val="tx1">
-            <a:lumMod val="75000"/>
-            <a:lumOff val="25000"/>
-          </a:schemeClr>
-        </a:solidFill>
-        <a:round/>
-      </a:ln>
-    </cs:spPr>
-  </cs:hiLoLine>
-  <cs:leaderLine>
-    <cs:lnRef idx="0"/>
-    <cs:fillRef idx="0"/>
-    <cs:effectRef idx="0"/>
-    <cs:fontRef idx="minor">
-      <a:schemeClr val="tx1"/>
-    </cs:fontRef>
-    <cs:spPr>
-      <a:ln w="9525" cap="flat" cmpd="sng" algn="ctr">
-        <a:solidFill>
-          <a:schemeClr val="tx1">
-            <a:lumMod val="35000"/>
-            <a:lumOff val="65000"/>
-          </a:schemeClr>
-        </a:solidFill>
-        <a:round/>
-      </a:ln>
-    </cs:spPr>
-  </cs:leaderLine>
-  <cs:legend>
-    <cs:lnRef idx="0"/>
-    <cs:fillRef idx="0"/>
-    <cs:effectRef idx="0"/>
-    <cs:fontRef idx="minor">
-      <a:schemeClr val="tx1">
-        <a:lumMod val="65000"/>
-        <a:lumOff val="35000"/>
-      </a:schemeClr>
-    </cs:fontRef>
-    <cs:defRPr sz="1197" kern="1200"/>
-  </cs:legend>
-  <cs:plotArea mods="allowNoFillOverride allowNoLineOverride">
-    <cs:lnRef idx="0"/>
-    <cs:fillRef idx="0"/>
-    <cs:effectRef idx="0"/>
-    <cs:fontRef idx="minor">
-      <a:schemeClr val="tx1"/>
-    </cs:fontRef>
-  </cs:plotArea>
-  <cs:plotArea3D mods="allowNoFillOverride allowNoLineOverride">
-    <cs:lnRef idx="0"/>
-    <cs:fillRef idx="0"/>
-    <cs:effectRef idx="0"/>
-    <cs:fontRef idx="minor">
-      <a:schemeClr val="tx1"/>
-    </cs:fontRef>
-  </cs:plotArea3D>
-  <cs:seriesAxis>
-    <cs:lnRef idx="0"/>
-    <cs:fillRef idx="0"/>
-    <cs:effectRef idx="0"/>
-    <cs:fontRef idx="minor">
-      <a:schemeClr val="tx1">
-        <a:lumMod val="65000"/>
-        <a:lumOff val="35000"/>
-      </a:schemeClr>
-    </cs:fontRef>
-    <cs:defRPr sz="1197" kern="1200"/>
-  </cs:seriesAxis>
-  <cs:seriesLine>
-    <cs:lnRef idx="0"/>
-    <cs:fillRef idx="0"/>
-    <cs:effectRef idx="0"/>
-    <cs:fontRef idx="minor">
-      <a:schemeClr val="tx1"/>
-    </cs:fontRef>
-    <cs:spPr>
-      <a:ln w="9525" cap="flat" cmpd="sng" algn="ctr">
-        <a:solidFill>
-          <a:schemeClr val="tx1">
-            <a:lumMod val="35000"/>
-            <a:lumOff val="65000"/>
-          </a:schemeClr>
-        </a:solidFill>
-        <a:round/>
-      </a:ln>
-    </cs:spPr>
-  </cs:seriesLine>
-  <cs:title>
-    <cs:lnRef idx="0"/>
-    <cs:fillRef idx="0"/>
-    <cs:effectRef idx="0"/>
-    <cs:fontRef idx="minor">
-      <a:schemeClr val="tx1">
-        <a:lumMod val="65000"/>
-        <a:lumOff val="35000"/>
-      </a:schemeClr>
-    </cs:fontRef>
-    <cs:defRPr sz="1862" b="0" kern="1200" spc="0" baseline="0"/>
-  </cs:title>
-  <cs:trendline>
-    <cs:lnRef idx="0">
-      <cs:styleClr val="auto"/>
-    </cs:lnRef>
-    <cs:fillRef idx="0"/>
-    <cs:effectRef idx="0"/>
-    <cs:fontRef idx="minor">
-      <a:schemeClr val="tx1"/>
-    </cs:fontRef>
-    <cs:spPr>
-      <a:ln w="19050" cap="rnd">
-        <a:solidFill>
-          <a:schemeClr val="phClr"/>
-        </a:solidFill>
-        <a:prstDash val="sysDot"/>
-      </a:ln>
-    </cs:spPr>
-  </cs:trendline>
-  <cs:trendlineLabel>
-    <cs:lnRef idx="0"/>
-    <cs:fillRef idx="0"/>
-    <cs:effectRef idx="0"/>
-    <cs:fontRef idx="minor">
-      <a:schemeClr val="tx1">
-        <a:lumMod val="65000"/>
-        <a:lumOff val="35000"/>
-      </a:schemeClr>
-    </cs:fontRef>
-    <cs:defRPr sz="1197" kern="1200"/>
-  </cs:trendlineLabel>
-  <cs:upBar>
-    <cs:lnRef idx="0"/>
-    <cs:fillRef idx="0"/>
-    <cs:effectRef idx="0"/>
-    <cs:fontRef idx="minor">
-      <a:schemeClr val="dk1"/>
-    </cs:fontRef>
-    <cs:spPr>
-      <a:solidFill>
-        <a:schemeClr val="lt1"/>
-      </a:solidFill>
-      <a:ln w="9525">
-        <a:solidFill>
-          <a:schemeClr val="tx1">
-            <a:lumMod val="15000"/>
-            <a:lumOff val="85000"/>
-          </a:schemeClr>
-        </a:solidFill>
-      </a:ln>
-    </cs:spPr>
-  </cs:upBar>
-  <cs:valueAxis>
-    <cs:lnRef idx="0"/>
-    <cs:fillRef idx="0"/>
-    <cs:effectRef idx="0"/>
-    <cs:fontRef idx="minor">
-      <a:schemeClr val="tx1">
-        <a:lumMod val="65000"/>
-        <a:lumOff val="35000"/>
-      </a:schemeClr>
-    </cs:fontRef>
-    <cs:defRPr sz="1197" kern="1200"/>
-  </cs:valueAxis>
-  <cs:wall>
-    <cs:lnRef idx="0"/>
-    <cs:fillRef idx="0"/>
-    <cs:effectRef idx="0"/>
-    <cs:fontRef idx="minor">
-      <a:schemeClr val="tx1"/>
-    </cs:fontRef>
-    <cs:spPr>
-      <a:noFill/>
-      <a:ln>
-        <a:noFill/>
-      </a:ln>
-    </cs:spPr>
-  </cs:wall>
-</cs:chartStyle>
 </file>
 
 <file path=ppt/diagrams/colors1.xml><?xml version="1.0" encoding="utf-8"?>
@@ -2370,7 +1446,7 @@
             <a:buNone/>
           </a:pPr>
           <a:r>
-            <a:rPr lang="zh-CN" altLang="en-US" sz="3800" kern="1200" dirty="0">
+            <a:rPr lang="zh-CN" sz="3800" kern="1200" dirty="0">
               <a:latin typeface="Microsoft YaHei UI" panose="020B0503020204020204" pitchFamily="34" charset="-122"/>
               <a:ea typeface="Microsoft YaHei UI" panose="020B0503020204020204" pitchFamily="34" charset="-122"/>
             </a:rPr>
@@ -2537,7 +1613,7 @@
             <a:buNone/>
           </a:pPr>
           <a:r>
-            <a:rPr lang="zh-CN" altLang="en-US" sz="3800" kern="1200" dirty="0">
+            <a:rPr lang="zh-CN" sz="3800" kern="1200" dirty="0">
               <a:latin typeface="Microsoft YaHei UI" panose="020B0503020204020204" pitchFamily="34" charset="-122"/>
               <a:ea typeface="Microsoft YaHei UI" panose="020B0503020204020204" pitchFamily="34" charset="-122"/>
             </a:rPr>
@@ -2704,7 +1780,7 @@
             <a:buNone/>
           </a:pPr>
           <a:r>
-            <a:rPr lang="zh-CN" altLang="en-US" sz="3800" kern="1200">
+            <a:rPr lang="zh-CN" sz="3800" kern="1200">
               <a:latin typeface="Microsoft YaHei UI" panose="020B0503020204020204" pitchFamily="34" charset="-122"/>
               <a:ea typeface="Microsoft YaHei UI" panose="020B0503020204020204" pitchFamily="34" charset="-122"/>
             </a:rPr>
@@ -19175,10 +18251,304 @@
           <a:chExt cx="0" cy="0"/>
         </a:xfrm>
       </p:grpSpPr>
+      <p:sp>
+        <p:nvSpPr>
+          <p:cNvPr id="2" name="标题 1"/>
+          <p:cNvSpPr>
+            <a:spLocks noGrp="1"/>
+          </p:cNvSpPr>
+          <p:nvPr>
+            <p:ph type="title"/>
+          </p:nvPr>
+        </p:nvSpPr>
+        <p:spPr/>
+        <p:txBody>
+          <a:bodyPr/>
+          <a:lstStyle/>
+          <a:p>
+            <a:r>
+              <a:rPr lang="en-US" altLang="zh-CN" dirty="0"/>
+              <a:t>1.2.3	</a:t>
+            </a:r>
+            <a:r>
+              <a:rPr lang="zh-CN" altLang="en-US" dirty="0"/>
+              <a:t>、</a:t>
+            </a:r>
+            <a:r>
+              <a:rPr lang="en-US" altLang="zh-CN" dirty="0"/>
+              <a:t>UML</a:t>
+            </a:r>
+            <a:r>
+              <a:rPr lang="zh-CN" altLang="en-US" dirty="0"/>
+              <a:t>图</a:t>
+            </a:r>
+            <a:endParaRPr lang="zh-CN" dirty="0"/>
+          </a:p>
+        </p:txBody>
+      </p:sp>
+      <p:sp>
+        <p:nvSpPr>
+          <p:cNvPr id="3" name="内容占位符 2"/>
+          <p:cNvSpPr>
+            <a:spLocks noGrp="1"/>
+          </p:cNvSpPr>
+          <p:nvPr>
+            <p:ph sz="half" idx="1"/>
+          </p:nvPr>
+        </p:nvSpPr>
+        <p:spPr/>
+        <p:txBody>
+          <a:bodyPr/>
+          <a:lstStyle/>
+          <a:p>
+            <a:pPr marL="0" lvl="0" indent="0">
+              <a:buNone/>
+            </a:pPr>
+            <a:r>
+              <a:rPr lang="zh-CN" altLang="en-US" b="1" dirty="0"/>
+              <a:t>（一）</a:t>
+            </a:r>
+            <a:r>
+              <a:rPr lang="zh-CN" altLang="zh-CN" b="1" dirty="0"/>
+              <a:t>结构型（</a:t>
+            </a:r>
+            <a:r>
+              <a:rPr lang="en-US" altLang="zh-CN" b="1" dirty="0"/>
+              <a:t>Structure Diagram</a:t>
+            </a:r>
+            <a:r>
+              <a:rPr lang="zh-CN" altLang="zh-CN" b="1" dirty="0"/>
+              <a:t>）</a:t>
+            </a:r>
+            <a:endParaRPr lang="zh-CN" altLang="zh-CN" dirty="0"/>
+          </a:p>
+          <a:p>
+            <a:pPr lvl="0"/>
+            <a:r>
+              <a:rPr lang="zh-CN" altLang="zh-CN" dirty="0"/>
+              <a:t>类图（</a:t>
+            </a:r>
+            <a:r>
+              <a:rPr lang="en-US" altLang="zh-CN" dirty="0"/>
+              <a:t>Class Diagram</a:t>
+            </a:r>
+            <a:r>
+              <a:rPr lang="zh-CN" altLang="zh-CN" dirty="0"/>
+              <a:t>）</a:t>
+            </a:r>
+          </a:p>
+          <a:p>
+            <a:pPr lvl="0"/>
+            <a:r>
+              <a:rPr lang="zh-CN" altLang="zh-CN" dirty="0"/>
+              <a:t>对象图（</a:t>
+            </a:r>
+            <a:r>
+              <a:rPr lang="en-US" altLang="zh-CN" dirty="0"/>
+              <a:t>Object Diagram</a:t>
+            </a:r>
+            <a:r>
+              <a:rPr lang="zh-CN" altLang="zh-CN" dirty="0"/>
+              <a:t>）</a:t>
+            </a:r>
+          </a:p>
+          <a:p>
+            <a:pPr lvl="0"/>
+            <a:r>
+              <a:rPr lang="zh-CN" altLang="zh-CN" dirty="0"/>
+              <a:t>构件图（</a:t>
+            </a:r>
+            <a:r>
+              <a:rPr lang="en-US" altLang="zh-CN" dirty="0"/>
+              <a:t>Component Diagram</a:t>
+            </a:r>
+            <a:r>
+              <a:rPr lang="zh-CN" altLang="zh-CN" dirty="0"/>
+              <a:t>）</a:t>
+            </a:r>
+          </a:p>
+          <a:p>
+            <a:pPr lvl="0"/>
+            <a:r>
+              <a:rPr lang="zh-CN" altLang="zh-CN" dirty="0"/>
+              <a:t>部署图（</a:t>
+            </a:r>
+            <a:r>
+              <a:rPr lang="en-US" altLang="zh-CN" dirty="0"/>
+              <a:t>Deployment Diagram</a:t>
+            </a:r>
+            <a:r>
+              <a:rPr lang="zh-CN" altLang="zh-CN" dirty="0"/>
+              <a:t>）</a:t>
+            </a:r>
+          </a:p>
+          <a:p>
+            <a:pPr lvl="0"/>
+            <a:r>
+              <a:rPr lang="zh-CN" altLang="zh-CN" dirty="0"/>
+              <a:t>包图（</a:t>
+            </a:r>
+            <a:r>
+              <a:rPr lang="en-US" altLang="zh-CN" dirty="0"/>
+              <a:t>Package Diagram</a:t>
+            </a:r>
+            <a:r>
+              <a:rPr lang="zh-CN" altLang="zh-CN" dirty="0"/>
+              <a:t>）</a:t>
+            </a:r>
+          </a:p>
+          <a:p>
+            <a:pPr marL="0" indent="0">
+              <a:buNone/>
+            </a:pPr>
+            <a:endParaRPr lang="zh-CN" dirty="0"/>
+          </a:p>
+        </p:txBody>
+      </p:sp>
+      <p:sp>
+        <p:nvSpPr>
+          <p:cNvPr id="6" name="内容占位符 5">
+            <a:extLst>
+              <a:ext uri="{FF2B5EF4-FFF2-40B4-BE49-F238E27FC236}">
+                <a16:creationId xmlns:a16="http://schemas.microsoft.com/office/drawing/2014/main" id="{704D7F0E-04E7-4A25-B8FA-25E9B69C2877}"/>
+              </a:ext>
+            </a:extLst>
+          </p:cNvPr>
+          <p:cNvSpPr>
+            <a:spLocks noGrp="1"/>
+          </p:cNvSpPr>
+          <p:nvPr>
+            <p:ph sz="half" idx="2"/>
+          </p:nvPr>
+        </p:nvSpPr>
+        <p:spPr/>
+        <p:txBody>
+          <a:bodyPr/>
+          <a:lstStyle/>
+          <a:p>
+            <a:pPr marL="0" lvl="0" indent="0">
+              <a:buNone/>
+            </a:pPr>
+            <a:r>
+              <a:rPr lang="zh-CN" altLang="en-US" b="1" dirty="0"/>
+              <a:t>（二）</a:t>
+            </a:r>
+            <a:r>
+              <a:rPr lang="zh-CN" altLang="zh-CN" b="1" dirty="0"/>
+              <a:t>行为型（</a:t>
+            </a:r>
+            <a:r>
+              <a:rPr lang="en-US" altLang="zh-CN" b="1" dirty="0"/>
+              <a:t>Behavior Diagram</a:t>
+            </a:r>
+            <a:r>
+              <a:rPr lang="zh-CN" altLang="zh-CN" b="1" dirty="0"/>
+              <a:t>）</a:t>
+            </a:r>
+            <a:endParaRPr lang="zh-CN" altLang="zh-CN" dirty="0"/>
+          </a:p>
+          <a:p>
+            <a:pPr lvl="1"/>
+            <a:r>
+              <a:rPr lang="zh-CN" altLang="zh-CN" dirty="0"/>
+              <a:t>活动图（</a:t>
+            </a:r>
+            <a:r>
+              <a:rPr lang="en-US" altLang="zh-CN" dirty="0"/>
+              <a:t>Activity Diagram</a:t>
+            </a:r>
+            <a:r>
+              <a:rPr lang="zh-CN" altLang="zh-CN" dirty="0"/>
+              <a:t>）</a:t>
+            </a:r>
+          </a:p>
+          <a:p>
+            <a:pPr lvl="1"/>
+            <a:r>
+              <a:rPr lang="zh-CN" altLang="zh-CN" dirty="0"/>
+              <a:t>状态机图（</a:t>
+            </a:r>
+            <a:r>
+              <a:rPr lang="en-US" altLang="zh-CN" dirty="0"/>
+              <a:t>State  Machine Diagram</a:t>
+            </a:r>
+            <a:r>
+              <a:rPr lang="zh-CN" altLang="zh-CN" dirty="0"/>
+              <a:t>）</a:t>
+            </a:r>
+          </a:p>
+          <a:p>
+            <a:pPr lvl="1"/>
+            <a:r>
+              <a:rPr lang="zh-CN" altLang="zh-CN" dirty="0"/>
+              <a:t>顺序图（</a:t>
+            </a:r>
+            <a:r>
+              <a:rPr lang="en-US" altLang="zh-CN" dirty="0"/>
+              <a:t>Sequence Diagram</a:t>
+            </a:r>
+            <a:r>
+              <a:rPr lang="zh-CN" altLang="zh-CN" dirty="0"/>
+              <a:t>）</a:t>
+            </a:r>
+          </a:p>
+          <a:p>
+            <a:pPr lvl="1"/>
+            <a:r>
+              <a:rPr lang="zh-CN" altLang="zh-CN" dirty="0"/>
+              <a:t>通信图（</a:t>
+            </a:r>
+            <a:r>
+              <a:rPr lang="en-US" altLang="zh-CN" dirty="0"/>
+              <a:t>Communication Diagram</a:t>
+            </a:r>
+            <a:r>
+              <a:rPr lang="zh-CN" altLang="zh-CN" dirty="0"/>
+              <a:t>）</a:t>
+            </a:r>
+          </a:p>
+          <a:p>
+            <a:pPr lvl="1"/>
+            <a:r>
+              <a:rPr lang="zh-CN" altLang="zh-CN" dirty="0"/>
+              <a:t>用例图（</a:t>
+            </a:r>
+            <a:r>
+              <a:rPr lang="en-US" altLang="zh-CN" dirty="0"/>
+              <a:t>Use Case Diagram</a:t>
+            </a:r>
+            <a:r>
+              <a:rPr lang="zh-CN" altLang="zh-CN" dirty="0"/>
+              <a:t>）</a:t>
+            </a:r>
+          </a:p>
+          <a:p>
+            <a:pPr lvl="1"/>
+            <a:r>
+              <a:rPr lang="zh-CN" altLang="zh-CN" dirty="0"/>
+              <a:t>时间图（</a:t>
+            </a:r>
+            <a:r>
+              <a:rPr lang="en-US" altLang="zh-CN" dirty="0"/>
+              <a:t>Timing Diagram</a:t>
+            </a:r>
+            <a:r>
+              <a:rPr lang="zh-CN" altLang="zh-CN" dirty="0"/>
+              <a:t>）</a:t>
+            </a:r>
+          </a:p>
+          <a:p>
+            <a:pPr marL="0" indent="0">
+              <a:buNone/>
+            </a:pPr>
+            <a:endParaRPr lang="zh-CN" altLang="en-US" dirty="0"/>
+          </a:p>
+        </p:txBody>
+      </p:sp>
     </p:spTree>
     <p:extLst>
       <p:ext uri="{BB962C8B-B14F-4D97-AF65-F5344CB8AC3E}">
-        <p14:creationId xmlns:p14="http://schemas.microsoft.com/office/powerpoint/2010/main" val="1064580378"/>
+        <p14:creationId xmlns:p14="http://schemas.microsoft.com/office/powerpoint/2010/main" val="2475092730"/>
       </p:ext>
     </p:extLst>
   </p:cSld>
@@ -19219,7 +18589,13 @@
       </p:grpSpPr>
       <p:sp>
         <p:nvSpPr>
-          <p:cNvPr id="2" name="标题 1"/>
+          <p:cNvPr id="2" name="标题 1">
+            <a:extLst>
+              <a:ext uri="{FF2B5EF4-FFF2-40B4-BE49-F238E27FC236}">
+                <a16:creationId xmlns:a16="http://schemas.microsoft.com/office/drawing/2014/main" id="{3581766E-14BC-44EF-BBB9-84652E737F23}"/>
+              </a:ext>
+            </a:extLst>
+          </p:cNvPr>
           <p:cNvSpPr>
             <a:spLocks noGrp="1"/>
           </p:cNvSpPr>
@@ -19232,52 +18608,135 @@
           <a:bodyPr/>
           <a:lstStyle/>
           <a:p>
-            <a:endParaRPr lang="zh-CN" altLang="en-US"/>
+            <a:r>
+              <a:rPr lang="en-US" altLang="zh-CN" dirty="0"/>
+              <a:t>1.3	UML</a:t>
+            </a:r>
+            <a:r>
+              <a:rPr lang="zh-CN" altLang="en-US" dirty="0"/>
+              <a:t>绘图工具</a:t>
+            </a:r>
           </a:p>
         </p:txBody>
       </p:sp>
       <p:sp>
         <p:nvSpPr>
-          <p:cNvPr id="3" name="内容占位符 2"/>
+          <p:cNvPr id="3" name="内容占位符 2">
+            <a:extLst>
+              <a:ext uri="{FF2B5EF4-FFF2-40B4-BE49-F238E27FC236}">
+                <a16:creationId xmlns:a16="http://schemas.microsoft.com/office/drawing/2014/main" id="{5931618E-E004-427D-9886-4502EAB6AB98}"/>
+              </a:ext>
+            </a:extLst>
+          </p:cNvPr>
           <p:cNvSpPr>
             <a:spLocks noGrp="1"/>
           </p:cNvSpPr>
           <p:nvPr>
-            <p:ph idx="1"/>
+            <p:ph sz="half" idx="1"/>
           </p:nvPr>
         </p:nvSpPr>
         <p:spPr/>
         <p:txBody>
-          <a:bodyPr/>
+          <a:bodyPr>
+            <a:normAutofit fontScale="70000" lnSpcReduction="20000"/>
+          </a:bodyPr>
           <a:lstStyle/>
           <a:p>
-            <a:endParaRPr lang="zh-CN" altLang="en-US"/>
+            <a:pPr lvl="0"/>
+            <a:r>
+              <a:rPr lang="en-US" altLang="zh-CN" dirty="0"/>
+              <a:t>IBM Rational Rose</a:t>
+            </a:r>
+            <a:endParaRPr lang="zh-CN" altLang="zh-CN" dirty="0"/>
           </a:p>
-        </p:txBody>
-      </p:sp>
-      <p:sp>
-        <p:nvSpPr>
-          <p:cNvPr id="4" name="文本占位符 3"/>
-          <p:cNvSpPr>
-            <a:spLocks noGrp="1"/>
-          </p:cNvSpPr>
-          <p:nvPr>
-            <p:ph type="body" sz="half" idx="2"/>
-          </p:nvPr>
-        </p:nvSpPr>
-        <p:spPr/>
-        <p:txBody>
-          <a:bodyPr/>
-          <a:lstStyle/>
           <a:p>
-            <a:endParaRPr lang="zh-CN" altLang="en-US"/>
+            <a:pPr lvl="0"/>
+            <a:r>
+              <a:rPr lang="en-US" altLang="zh-CN" dirty="0"/>
+              <a:t>Microsoft Office Visio</a:t>
+            </a:r>
+            <a:endParaRPr lang="zh-CN" altLang="zh-CN" dirty="0"/>
+          </a:p>
+          <a:p>
+            <a:pPr lvl="0"/>
+            <a:r>
+              <a:rPr lang="en-US" altLang="zh-CN" dirty="0"/>
+              <a:t>Sybase </a:t>
+            </a:r>
+            <a:r>
+              <a:rPr lang="en-US" altLang="zh-CN" dirty="0" err="1"/>
+              <a:t>PowerDesigner</a:t>
+            </a:r>
+            <a:endParaRPr lang="zh-CN" altLang="zh-CN" dirty="0"/>
+          </a:p>
+          <a:p>
+            <a:pPr lvl="0"/>
+            <a:r>
+              <a:rPr lang="en-US" altLang="zh-CN" dirty="0"/>
+              <a:t>Enterprise Architect </a:t>
+            </a:r>
+            <a:endParaRPr lang="zh-CN" altLang="zh-CN" dirty="0"/>
+          </a:p>
+          <a:p>
+            <a:pPr lvl="0"/>
+            <a:r>
+              <a:rPr lang="en-US" altLang="zh-CN" dirty="0"/>
+              <a:t>Visual UML</a:t>
+            </a:r>
+            <a:endParaRPr lang="zh-CN" altLang="zh-CN" dirty="0"/>
+          </a:p>
+          <a:p>
+            <a:pPr lvl="0"/>
+            <a:r>
+              <a:rPr lang="en-US" altLang="zh-CN" dirty="0"/>
+              <a:t>Star UML</a:t>
+            </a:r>
+            <a:endParaRPr lang="zh-CN" altLang="zh-CN" dirty="0"/>
+          </a:p>
+          <a:p>
+            <a:pPr lvl="0"/>
+            <a:r>
+              <a:rPr lang="en-US" altLang="zh-CN" dirty="0"/>
+              <a:t>Argo UML</a:t>
+            </a:r>
+            <a:endParaRPr lang="zh-CN" altLang="zh-CN" dirty="0"/>
+          </a:p>
+          <a:p>
+            <a:pPr lvl="0"/>
+            <a:r>
+              <a:rPr lang="en-US" altLang="zh-CN" dirty="0" err="1"/>
+              <a:t>UMLet</a:t>
+            </a:r>
+            <a:endParaRPr lang="zh-CN" altLang="zh-CN" dirty="0"/>
+          </a:p>
+          <a:p>
+            <a:pPr lvl="0"/>
+            <a:r>
+              <a:rPr lang="en-US" altLang="zh-CN" dirty="0"/>
+              <a:t>JUDE</a:t>
+            </a:r>
+            <a:endParaRPr lang="zh-CN" altLang="zh-CN" dirty="0"/>
+          </a:p>
+          <a:p>
+            <a:pPr lvl="0"/>
+            <a:r>
+              <a:rPr lang="en-US" altLang="zh-CN" dirty="0" err="1"/>
+              <a:t>BOUml</a:t>
+            </a:r>
+            <a:endParaRPr lang="zh-CN" altLang="zh-CN" dirty="0"/>
+          </a:p>
+          <a:p>
+            <a:pPr marL="0" indent="0">
+              <a:buNone/>
+            </a:pPr>
+            <a:endParaRPr lang="zh-CN" altLang="en-US" dirty="0"/>
           </a:p>
         </p:txBody>
       </p:sp>
     </p:spTree>
     <p:extLst>
       <p:ext uri="{BB962C8B-B14F-4D97-AF65-F5344CB8AC3E}">
-        <p14:creationId xmlns:p14="http://schemas.microsoft.com/office/powerpoint/2010/main" val="155366748"/>
+        <p14:creationId xmlns:p14="http://schemas.microsoft.com/office/powerpoint/2010/main" val="3721740941"/>
       </p:ext>
     </p:extLst>
   </p:cSld>
@@ -19300,828 +18759,6 @@
 </file>
 
 <file path=ppt/slides/slide12.xml><?xml version="1.0" encoding="utf-8"?>
-<p:sld xmlns:a="http://schemas.openxmlformats.org/drawingml/2006/main" xmlns:r="http://schemas.openxmlformats.org/officeDocument/2006/relationships" xmlns:p="http://schemas.openxmlformats.org/presentationml/2006/main">
-  <p:cSld>
-    <p:spTree>
-      <p:nvGrpSpPr>
-        <p:cNvPr id="1" name=""/>
-        <p:cNvGrpSpPr/>
-        <p:nvPr/>
-      </p:nvGrpSpPr>
-      <p:grpSpPr>
-        <a:xfrm>
-          <a:off x="0" y="0"/>
-          <a:ext cx="0" cy="0"/>
-          <a:chOff x="0" y="0"/>
-          <a:chExt cx="0" cy="0"/>
-        </a:xfrm>
-      </p:grpSpPr>
-      <p:sp>
-        <p:nvSpPr>
-          <p:cNvPr id="2" name="图片占位符 1"/>
-          <p:cNvSpPr>
-            <a:spLocks noGrp="1"/>
-          </p:cNvSpPr>
-          <p:nvPr>
-            <p:ph type="pic" idx="1"/>
-          </p:nvPr>
-        </p:nvSpPr>
-        <p:spPr/>
-      </p:sp>
-      <p:sp>
-        <p:nvSpPr>
-          <p:cNvPr id="3" name="标题 2"/>
-          <p:cNvSpPr>
-            <a:spLocks noGrp="1"/>
-          </p:cNvSpPr>
-          <p:nvPr>
-            <p:ph type="title"/>
-          </p:nvPr>
-        </p:nvSpPr>
-        <p:spPr/>
-        <p:txBody>
-          <a:bodyPr/>
-          <a:lstStyle/>
-          <a:p>
-            <a:endParaRPr lang="zh-CN" altLang="en-US" dirty="0"/>
-          </a:p>
-        </p:txBody>
-      </p:sp>
-      <p:sp>
-        <p:nvSpPr>
-          <p:cNvPr id="4" name="文本占位符 3"/>
-          <p:cNvSpPr>
-            <a:spLocks noGrp="1"/>
-          </p:cNvSpPr>
-          <p:nvPr>
-            <p:ph type="body" sz="half" idx="2"/>
-          </p:nvPr>
-        </p:nvSpPr>
-        <p:spPr/>
-        <p:txBody>
-          <a:bodyPr/>
-          <a:lstStyle/>
-          <a:p>
-            <a:endParaRPr lang="zh-CN" altLang="en-US"/>
-          </a:p>
-        </p:txBody>
-      </p:sp>
-    </p:spTree>
-    <p:extLst>
-      <p:ext uri="{BB962C8B-B14F-4D97-AF65-F5344CB8AC3E}">
-        <p14:creationId xmlns:p14="http://schemas.microsoft.com/office/powerpoint/2010/main" val="2830249321"/>
-      </p:ext>
-    </p:extLst>
-  </p:cSld>
-  <p:clrMapOvr>
-    <a:masterClrMapping/>
-  </p:clrMapOvr>
-  <mc:AlternateContent xmlns:mc="http://schemas.openxmlformats.org/markup-compatibility/2006" xmlns:p14="http://schemas.microsoft.com/office/powerpoint/2010/main">
-    <mc:Choice Requires="p14">
-      <p:transition spd="med" p14:dur="700">
-        <p:fade/>
-      </p:transition>
-    </mc:Choice>
-    <mc:Fallback xmlns="">
-      <p:transition spd="med">
-        <p:fade/>
-      </p:transition>
-    </mc:Fallback>
-  </mc:AlternateContent>
-</p:sld>
-</file>
-
-<file path=ppt/slides/slide2.xml><?xml version="1.0" encoding="utf-8"?>
-<p:sld xmlns:a="http://schemas.openxmlformats.org/drawingml/2006/main" xmlns:r="http://schemas.openxmlformats.org/officeDocument/2006/relationships" xmlns:p="http://schemas.openxmlformats.org/presentationml/2006/main">
-  <p:cSld>
-    <p:spTree>
-      <p:nvGrpSpPr>
-        <p:cNvPr id="1" name=""/>
-        <p:cNvGrpSpPr/>
-        <p:nvPr/>
-      </p:nvGrpSpPr>
-      <p:grpSpPr>
-        <a:xfrm>
-          <a:off x="0" y="0"/>
-          <a:ext cx="0" cy="0"/>
-          <a:chOff x="0" y="0"/>
-          <a:chExt cx="0" cy="0"/>
-        </a:xfrm>
-      </p:grpSpPr>
-      <p:sp>
-        <p:nvSpPr>
-          <p:cNvPr id="2" name="标题 1"/>
-          <p:cNvSpPr>
-            <a:spLocks noGrp="1"/>
-          </p:cNvSpPr>
-          <p:nvPr>
-            <p:ph type="title"/>
-          </p:nvPr>
-        </p:nvSpPr>
-        <p:spPr/>
-        <p:txBody>
-          <a:bodyPr/>
-          <a:lstStyle/>
-          <a:p>
-            <a:pPr lvl="1"/>
-            <a:r>
-              <a:rPr lang="en-US" altLang="zh-CN" sz="1800" b="1" dirty="0"/>
-              <a:t>1.1</a:t>
-            </a:r>
-            <a:r>
-              <a:rPr lang="zh-CN" altLang="en-US" sz="1800" b="1" dirty="0"/>
-              <a:t>、</a:t>
-            </a:r>
-            <a:r>
-              <a:rPr lang="en-US" altLang="zh-CN" sz="1800" b="1" dirty="0"/>
-              <a:t>UML</a:t>
-            </a:r>
-            <a:r>
-              <a:rPr lang="zh-CN" altLang="zh-CN" sz="1800" b="1" dirty="0"/>
-              <a:t>简介</a:t>
-            </a:r>
-          </a:p>
-        </p:txBody>
-      </p:sp>
-      <p:sp>
-        <p:nvSpPr>
-          <p:cNvPr id="3" name="内容占位符 2"/>
-          <p:cNvSpPr>
-            <a:spLocks noGrp="1"/>
-          </p:cNvSpPr>
-          <p:nvPr>
-            <p:ph idx="1"/>
-          </p:nvPr>
-        </p:nvSpPr>
-        <p:spPr/>
-        <p:txBody>
-          <a:bodyPr/>
-          <a:lstStyle/>
-          <a:p>
-            <a:r>
-              <a:rPr lang="en-US" altLang="zh-CN" dirty="0"/>
-              <a:t>UML (Unified Modeling Language)</a:t>
-            </a:r>
-            <a:r>
-              <a:rPr lang="zh-CN" altLang="zh-CN" dirty="0"/>
-              <a:t>为面向对象软件设计提供统一的、标准的、可视化的建模语言。适用于描述以用例为驱动，以体系结构为中心的软件设计的全过程。</a:t>
-            </a:r>
-            <a:r>
-              <a:rPr lang="en-US" altLang="zh-CN" dirty="0"/>
-              <a:t>  </a:t>
-            </a:r>
-            <a:endParaRPr lang="zh-CN" altLang="zh-CN" dirty="0"/>
-          </a:p>
-          <a:p>
-            <a:r>
-              <a:rPr lang="en-US" altLang="zh-CN" dirty="0"/>
-              <a:t>UML</a:t>
-            </a:r>
-            <a:r>
-              <a:rPr lang="zh-CN" altLang="zh-CN" dirty="0"/>
-              <a:t>的定义包括</a:t>
-            </a:r>
-            <a:r>
-              <a:rPr lang="en-US" altLang="zh-CN" dirty="0"/>
-              <a:t>UML</a:t>
-            </a:r>
-            <a:r>
-              <a:rPr lang="zh-CN" altLang="zh-CN" dirty="0"/>
-              <a:t>语义和</a:t>
-            </a:r>
-            <a:r>
-              <a:rPr lang="en-US" altLang="zh-CN" dirty="0"/>
-              <a:t>UML</a:t>
-            </a:r>
-            <a:r>
-              <a:rPr lang="zh-CN" altLang="zh-CN" dirty="0"/>
-              <a:t>表示法两个部分。 </a:t>
-            </a:r>
-          </a:p>
-          <a:p>
-            <a:r>
-              <a:rPr lang="en-US" altLang="zh-CN" dirty="0"/>
-              <a:t>UML</a:t>
-            </a:r>
-            <a:r>
-              <a:rPr lang="zh-CN" altLang="zh-CN" dirty="0"/>
-              <a:t>语义：</a:t>
-            </a:r>
-            <a:r>
-              <a:rPr lang="en-US" altLang="zh-CN" dirty="0"/>
-              <a:t>UML</a:t>
-            </a:r>
-            <a:r>
-              <a:rPr lang="zh-CN" altLang="zh-CN" dirty="0"/>
-              <a:t>对语义的描述使开发者能在语义上取得一致认识，消除了因人而异的表达方法所造成的影响。</a:t>
-            </a:r>
-          </a:p>
-          <a:p>
-            <a:r>
-              <a:rPr lang="en-US" altLang="zh-CN" dirty="0"/>
-              <a:t>UML</a:t>
-            </a:r>
-            <a:r>
-              <a:rPr lang="zh-CN" altLang="zh-CN" dirty="0"/>
-              <a:t>表示法：</a:t>
-            </a:r>
-            <a:r>
-              <a:rPr lang="en-US" altLang="zh-CN" dirty="0"/>
-              <a:t>UML</a:t>
-            </a:r>
-            <a:r>
-              <a:rPr lang="zh-CN" altLang="zh-CN" dirty="0"/>
-              <a:t>表示法定义</a:t>
-            </a:r>
-            <a:r>
-              <a:rPr lang="en-US" altLang="zh-CN" dirty="0"/>
-              <a:t>UML</a:t>
-            </a:r>
-            <a:r>
-              <a:rPr lang="zh-CN" altLang="zh-CN" dirty="0"/>
-              <a:t>符号的表示法，为开发者或开发工具使用这图形符号和文本语法为系统建模提供了标准。</a:t>
-            </a:r>
-          </a:p>
-          <a:p>
-            <a:pPr marL="0" indent="0">
-              <a:buNone/>
-            </a:pPr>
-            <a:endParaRPr lang="zh-CN" dirty="0"/>
-          </a:p>
-        </p:txBody>
-      </p:sp>
-    </p:spTree>
-    <p:extLst>
-      <p:ext uri="{BB962C8B-B14F-4D97-AF65-F5344CB8AC3E}">
-        <p14:creationId xmlns:p14="http://schemas.microsoft.com/office/powerpoint/2010/main" val="3984617762"/>
-      </p:ext>
-    </p:extLst>
-  </p:cSld>
-  <p:clrMapOvr>
-    <a:masterClrMapping/>
-  </p:clrMapOvr>
-  <mc:AlternateContent xmlns:mc="http://schemas.openxmlformats.org/markup-compatibility/2006" xmlns:p14="http://schemas.microsoft.com/office/powerpoint/2010/main">
-    <mc:Choice Requires="p14">
-      <p:transition spd="med" p14:dur="700">
-        <p:fade/>
-      </p:transition>
-    </mc:Choice>
-    <mc:Fallback xmlns="">
-      <p:transition spd="med">
-        <p:fade/>
-      </p:transition>
-    </mc:Fallback>
-  </mc:AlternateContent>
-</p:sld>
-</file>
-
-<file path=ppt/slides/slide3.xml><?xml version="1.0" encoding="utf-8"?>
-<p:sld xmlns:a="http://schemas.openxmlformats.org/drawingml/2006/main" xmlns:r="http://schemas.openxmlformats.org/officeDocument/2006/relationships" xmlns:p="http://schemas.openxmlformats.org/presentationml/2006/main">
-  <p:cSld>
-    <p:spTree>
-      <p:nvGrpSpPr>
-        <p:cNvPr id="1" name=""/>
-        <p:cNvGrpSpPr/>
-        <p:nvPr/>
-      </p:nvGrpSpPr>
-      <p:grpSpPr>
-        <a:xfrm>
-          <a:off x="0" y="0"/>
-          <a:ext cx="0" cy="0"/>
-          <a:chOff x="0" y="0"/>
-          <a:chExt cx="0" cy="0"/>
-        </a:xfrm>
-      </p:grpSpPr>
-      <p:sp>
-        <p:nvSpPr>
-          <p:cNvPr id="2" name="标题 1">
-            <a:extLst>
-              <a:ext uri="{FF2B5EF4-FFF2-40B4-BE49-F238E27FC236}">
-                <a16:creationId xmlns:a16="http://schemas.microsoft.com/office/drawing/2014/main" id="{B039544B-2504-4A22-95B1-B0D67957CB68}"/>
-              </a:ext>
-            </a:extLst>
-          </p:cNvPr>
-          <p:cNvSpPr>
-            <a:spLocks noGrp="1"/>
-          </p:cNvSpPr>
-          <p:nvPr>
-            <p:ph type="title"/>
-          </p:nvPr>
-        </p:nvSpPr>
-        <p:spPr/>
-        <p:txBody>
-          <a:bodyPr/>
-          <a:lstStyle/>
-          <a:p>
-            <a:endParaRPr lang="zh-CN" altLang="en-US"/>
-          </a:p>
-        </p:txBody>
-      </p:sp>
-      <p:sp>
-        <p:nvSpPr>
-          <p:cNvPr id="3" name="内容占位符 2">
-            <a:extLst>
-              <a:ext uri="{FF2B5EF4-FFF2-40B4-BE49-F238E27FC236}">
-                <a16:creationId xmlns:a16="http://schemas.microsoft.com/office/drawing/2014/main" id="{94441DF5-3702-4156-8AD3-3D42D2C05BE0}"/>
-              </a:ext>
-            </a:extLst>
-          </p:cNvPr>
-          <p:cNvSpPr>
-            <a:spLocks noGrp="1"/>
-          </p:cNvSpPr>
-          <p:nvPr>
-            <p:ph idx="1"/>
-          </p:nvPr>
-        </p:nvSpPr>
-        <p:spPr/>
-        <p:txBody>
-          <a:bodyPr/>
-          <a:lstStyle/>
-          <a:p>
-            <a:endParaRPr lang="zh-CN" altLang="en-US"/>
-          </a:p>
-        </p:txBody>
-      </p:sp>
-    </p:spTree>
-    <p:extLst>
-      <p:ext uri="{BB962C8B-B14F-4D97-AF65-F5344CB8AC3E}">
-        <p14:creationId xmlns:p14="http://schemas.microsoft.com/office/powerpoint/2010/main" val="3494820425"/>
-      </p:ext>
-    </p:extLst>
-  </p:cSld>
-  <p:clrMapOvr>
-    <a:masterClrMapping/>
-  </p:clrMapOvr>
-  <mc:AlternateContent xmlns:mc="http://schemas.openxmlformats.org/markup-compatibility/2006" xmlns:p14="http://schemas.microsoft.com/office/powerpoint/2010/main">
-    <mc:Choice Requires="p14">
-      <p:transition spd="med" p14:dur="700">
-        <p:fade/>
-      </p:transition>
-    </mc:Choice>
-    <mc:Fallback xmlns="">
-      <p:transition spd="med">
-        <p:fade/>
-      </p:transition>
-    </mc:Fallback>
-  </mc:AlternateContent>
-</p:sld>
-</file>
-
-<file path=ppt/slides/slide4.xml><?xml version="1.0" encoding="utf-8"?>
-<p:sld xmlns:a="http://schemas.openxmlformats.org/drawingml/2006/main" xmlns:r="http://schemas.openxmlformats.org/officeDocument/2006/relationships" xmlns:p="http://schemas.openxmlformats.org/presentationml/2006/main">
-  <p:cSld>
-    <p:spTree>
-      <p:nvGrpSpPr>
-        <p:cNvPr id="1" name=""/>
-        <p:cNvGrpSpPr/>
-        <p:nvPr/>
-      </p:nvGrpSpPr>
-      <p:grpSpPr>
-        <a:xfrm>
-          <a:off x="0" y="0"/>
-          <a:ext cx="0" cy="0"/>
-          <a:chOff x="0" y="0"/>
-          <a:chExt cx="0" cy="0"/>
-        </a:xfrm>
-      </p:grpSpPr>
-      <p:sp>
-        <p:nvSpPr>
-          <p:cNvPr id="2" name="标题 1"/>
-          <p:cNvSpPr>
-            <a:spLocks noGrp="1"/>
-          </p:cNvSpPr>
-          <p:nvPr>
-            <p:ph type="title"/>
-          </p:nvPr>
-        </p:nvSpPr>
-        <p:spPr/>
-        <p:txBody>
-          <a:bodyPr/>
-          <a:lstStyle/>
-          <a:p>
-            <a:r>
-              <a:rPr lang="zh-CN" altLang="en-US" dirty="0"/>
-              <a:t>带有图表的标题和内容版式</a:t>
-            </a:r>
-            <a:endParaRPr lang="zh-CN" dirty="0"/>
-          </a:p>
-        </p:txBody>
-      </p:sp>
-      <p:graphicFrame>
-        <p:nvGraphicFramePr>
-          <p:cNvPr id="7" name="内容占位符 6"/>
-          <p:cNvGraphicFramePr>
-            <a:graphicFrameLocks noGrp="1"/>
-          </p:cNvGraphicFramePr>
-          <p:nvPr>
-            <p:ph idx="1"/>
-            <p:extLst>
-              <p:ext uri="{D42A27DB-BD31-4B8C-83A1-F6EECF244321}">
-                <p14:modId xmlns:p14="http://schemas.microsoft.com/office/powerpoint/2010/main" val="2291921886"/>
-              </p:ext>
-            </p:extLst>
-          </p:nvPr>
-        </p:nvGraphicFramePr>
-        <p:xfrm>
-          <a:off x="1295400" y="1981200"/>
-          <a:ext cx="9601200" cy="3810000"/>
-        </p:xfrm>
-        <a:graphic>
-          <a:graphicData uri="http://schemas.openxmlformats.org/drawingml/2006/chart">
-            <c:chart xmlns:c="http://schemas.openxmlformats.org/drawingml/2006/chart" xmlns:r="http://schemas.openxmlformats.org/officeDocument/2006/relationships" r:id="rId2"/>
-          </a:graphicData>
-        </a:graphic>
-      </p:graphicFrame>
-    </p:spTree>
-    <p:extLst>
-      <p:ext uri="{BB962C8B-B14F-4D97-AF65-F5344CB8AC3E}">
-        <p14:creationId xmlns:p14="http://schemas.microsoft.com/office/powerpoint/2010/main" val="1476019738"/>
-      </p:ext>
-    </p:extLst>
-  </p:cSld>
-  <p:clrMapOvr>
-    <a:masterClrMapping/>
-  </p:clrMapOvr>
-  <mc:AlternateContent xmlns:mc="http://schemas.openxmlformats.org/markup-compatibility/2006" xmlns:p14="http://schemas.microsoft.com/office/powerpoint/2010/main">
-    <mc:Choice Requires="p14">
-      <p:transition spd="med" p14:dur="700">
-        <p:fade/>
-      </p:transition>
-    </mc:Choice>
-    <mc:Fallback xmlns="">
-      <p:transition spd="med">
-        <p:fade/>
-      </p:transition>
-    </mc:Fallback>
-  </mc:AlternateContent>
-</p:sld>
-</file>
-
-<file path=ppt/slides/slide5.xml><?xml version="1.0" encoding="utf-8"?>
-<p:sld xmlns:a="http://schemas.openxmlformats.org/drawingml/2006/main" xmlns:r="http://schemas.openxmlformats.org/officeDocument/2006/relationships" xmlns:p="http://schemas.openxmlformats.org/presentationml/2006/main">
-  <p:cSld>
-    <p:spTree>
-      <p:nvGrpSpPr>
-        <p:cNvPr id="1" name=""/>
-        <p:cNvGrpSpPr/>
-        <p:nvPr/>
-      </p:nvGrpSpPr>
-      <p:grpSpPr>
-        <a:xfrm>
-          <a:off x="0" y="0"/>
-          <a:ext cx="0" cy="0"/>
-          <a:chOff x="0" y="0"/>
-          <a:chExt cx="0" cy="0"/>
-        </a:xfrm>
-      </p:grpSpPr>
-      <p:sp>
-        <p:nvSpPr>
-          <p:cNvPr id="2" name="标题 1"/>
-          <p:cNvSpPr>
-            <a:spLocks noGrp="1"/>
-          </p:cNvSpPr>
-          <p:nvPr>
-            <p:ph type="title"/>
-          </p:nvPr>
-        </p:nvSpPr>
-        <p:spPr/>
-        <p:txBody>
-          <a:bodyPr/>
-          <a:lstStyle/>
-          <a:p>
-            <a:r>
-              <a:rPr lang="zh-CN" altLang="en-US" dirty="0"/>
-              <a:t>带有表格的两栏内容版式</a:t>
-            </a:r>
-            <a:endParaRPr lang="zh-CN" dirty="0"/>
-          </a:p>
-        </p:txBody>
-      </p:sp>
-      <p:sp>
-        <p:nvSpPr>
-          <p:cNvPr id="3" name="内容占位符 2"/>
-          <p:cNvSpPr>
-            <a:spLocks noGrp="1"/>
-          </p:cNvSpPr>
-          <p:nvPr>
-            <p:ph sz="half" idx="1"/>
-          </p:nvPr>
-        </p:nvSpPr>
-        <p:spPr/>
-        <p:txBody>
-          <a:bodyPr/>
-          <a:lstStyle/>
-          <a:p>
-            <a:r>
-              <a:rPr lang="zh-CN" dirty="0"/>
-              <a:t>此处为第一个要点</a:t>
-            </a:r>
-          </a:p>
-          <a:p>
-            <a:r>
-              <a:rPr lang="zh-CN" dirty="0"/>
-              <a:t>此处为第二个要点</a:t>
-            </a:r>
-          </a:p>
-          <a:p>
-            <a:r>
-              <a:rPr lang="zh-CN" dirty="0"/>
-              <a:t>此处为第三个要点</a:t>
-            </a:r>
-          </a:p>
-        </p:txBody>
-      </p:sp>
-      <p:graphicFrame>
-        <p:nvGraphicFramePr>
-          <p:cNvPr id="5" name="内容占位符 4" descr="示例表格（3 列，4 行）" title="表格"/>
-          <p:cNvGraphicFramePr>
-            <a:graphicFrameLocks noGrp="1"/>
-          </p:cNvGraphicFramePr>
-          <p:nvPr>
-            <p:ph sz="half" idx="2"/>
-            <p:extLst>
-              <p:ext uri="{D42A27DB-BD31-4B8C-83A1-F6EECF244321}">
-                <p14:modId xmlns:p14="http://schemas.microsoft.com/office/powerpoint/2010/main" val="1897668977"/>
-              </p:ext>
-            </p:extLst>
-          </p:nvPr>
-        </p:nvGraphicFramePr>
-        <p:xfrm>
-          <a:off x="6324600" y="1981200"/>
-          <a:ext cx="4572000" cy="2141912"/>
-        </p:xfrm>
-        <a:graphic>
-          <a:graphicData uri="http://schemas.openxmlformats.org/drawingml/2006/table">
-            <a:tbl>
-              <a:tblPr firstRow="1" bandRow="1">
-                <a:tableStyleId>{69012ECD-51FC-41F1-AA8D-1B2483CD663E}</a:tableStyleId>
-              </a:tblPr>
-              <a:tblGrid>
-                <a:gridCol w="1524000">
-                  <a:extLst>
-                    <a:ext uri="{9D8B030D-6E8A-4147-A177-3AD203B41FA5}">
-                      <a16:colId xmlns:a16="http://schemas.microsoft.com/office/drawing/2014/main" val="20000"/>
-                    </a:ext>
-                  </a:extLst>
-                </a:gridCol>
-                <a:gridCol w="1524000">
-                  <a:extLst>
-                    <a:ext uri="{9D8B030D-6E8A-4147-A177-3AD203B41FA5}">
-                      <a16:colId xmlns:a16="http://schemas.microsoft.com/office/drawing/2014/main" val="20001"/>
-                    </a:ext>
-                  </a:extLst>
-                </a:gridCol>
-                <a:gridCol w="1524000">
-                  <a:extLst>
-                    <a:ext uri="{9D8B030D-6E8A-4147-A177-3AD203B41FA5}">
-                      <a16:colId xmlns:a16="http://schemas.microsoft.com/office/drawing/2014/main" val="20002"/>
-                    </a:ext>
-                  </a:extLst>
-                </a:gridCol>
-              </a:tblGrid>
-              <a:tr h="535478">
-                <a:tc>
-                  <a:txBody>
-                    <a:bodyPr/>
-                    <a:lstStyle/>
-                    <a:p>
-                      <a:endParaRPr lang="zh-CN" dirty="0">
-                        <a:ea typeface="Microsoft YaHei UI" panose="020B0503020204020204" pitchFamily="34" charset="-122"/>
-                      </a:endParaRPr>
-                    </a:p>
-                  </a:txBody>
-                  <a:tcPr anchor="ctr"/>
-                </a:tc>
-                <a:tc>
-                  <a:txBody>
-                    <a:bodyPr/>
-                    <a:lstStyle/>
-                    <a:p>
-                      <a:pPr algn="ctr"/>
-                      <a:r>
-                        <a:rPr lang="zh-CN" dirty="0">
-                          <a:ea typeface="Microsoft YaHei UI" panose="020B0503020204020204" pitchFamily="34" charset="-122"/>
-                        </a:rPr>
-                        <a:t>组 1</a:t>
-                      </a:r>
-                    </a:p>
-                  </a:txBody>
-                  <a:tcPr anchor="ctr"/>
-                </a:tc>
-                <a:tc>
-                  <a:txBody>
-                    <a:bodyPr/>
-                    <a:lstStyle/>
-                    <a:p>
-                      <a:pPr algn="ctr"/>
-                      <a:r>
-                        <a:rPr lang="zh-CN" dirty="0">
-                          <a:ea typeface="Microsoft YaHei UI" panose="020B0503020204020204" pitchFamily="34" charset="-122"/>
-                        </a:rPr>
-                        <a:t>组 2</a:t>
-                      </a:r>
-                    </a:p>
-                  </a:txBody>
-                  <a:tcPr anchor="ctr"/>
-                </a:tc>
-                <a:extLst>
-                  <a:ext uri="{0D108BD9-81ED-4DB2-BD59-A6C34878D82A}">
-                    <a16:rowId xmlns:a16="http://schemas.microsoft.com/office/drawing/2014/main" val="10000"/>
-                  </a:ext>
-                </a:extLst>
-              </a:tr>
-              <a:tr h="535478">
-                <a:tc>
-                  <a:txBody>
-                    <a:bodyPr/>
-                    <a:lstStyle/>
-                    <a:p>
-                      <a:r>
-                        <a:rPr lang="zh-CN" dirty="0">
-                          <a:ea typeface="Microsoft YaHei UI" panose="020B0503020204020204" pitchFamily="34" charset="-122"/>
-                        </a:rPr>
-                        <a:t>类 1</a:t>
-                      </a:r>
-                    </a:p>
-                  </a:txBody>
-                  <a:tcPr anchor="ctr"/>
-                </a:tc>
-                <a:tc>
-                  <a:txBody>
-                    <a:bodyPr/>
-                    <a:lstStyle/>
-                    <a:p>
-                      <a:pPr algn="ctr"/>
-                      <a:r>
-                        <a:rPr lang="zh-CN" dirty="0">
-                          <a:ea typeface="Microsoft YaHei UI" panose="020B0503020204020204" pitchFamily="34" charset="-122"/>
-                        </a:rPr>
-                        <a:t>82</a:t>
-                      </a:r>
-                    </a:p>
-                  </a:txBody>
-                  <a:tcPr anchor="ctr"/>
-                </a:tc>
-                <a:tc>
-                  <a:txBody>
-                    <a:bodyPr/>
-                    <a:lstStyle/>
-                    <a:p>
-                      <a:pPr algn="ctr"/>
-                      <a:r>
-                        <a:rPr lang="zh-CN" dirty="0">
-                          <a:ea typeface="Microsoft YaHei UI" panose="020B0503020204020204" pitchFamily="34" charset="-122"/>
-                        </a:rPr>
-                        <a:t>95</a:t>
-                      </a:r>
-                    </a:p>
-                  </a:txBody>
-                  <a:tcPr anchor="ctr"/>
-                </a:tc>
-                <a:extLst>
-                  <a:ext uri="{0D108BD9-81ED-4DB2-BD59-A6C34878D82A}">
-                    <a16:rowId xmlns:a16="http://schemas.microsoft.com/office/drawing/2014/main" val="10001"/>
-                  </a:ext>
-                </a:extLst>
-              </a:tr>
-              <a:tr h="535478">
-                <a:tc>
-                  <a:txBody>
-                    <a:bodyPr/>
-                    <a:lstStyle/>
-                    <a:p>
-                      <a:r>
-                        <a:rPr lang="zh-CN" dirty="0">
-                          <a:ea typeface="Microsoft YaHei UI" panose="020B0503020204020204" pitchFamily="34" charset="-122"/>
-                        </a:rPr>
-                        <a:t>类 2</a:t>
-                      </a:r>
-                    </a:p>
-                  </a:txBody>
-                  <a:tcPr anchor="ctr"/>
-                </a:tc>
-                <a:tc>
-                  <a:txBody>
-                    <a:bodyPr/>
-                    <a:lstStyle/>
-                    <a:p>
-                      <a:pPr algn="ctr"/>
-                      <a:r>
-                        <a:rPr lang="zh-CN" dirty="0">
-                          <a:ea typeface="Microsoft YaHei UI" panose="020B0503020204020204" pitchFamily="34" charset="-122"/>
-                        </a:rPr>
-                        <a:t>76</a:t>
-                      </a:r>
-                    </a:p>
-                  </a:txBody>
-                  <a:tcPr anchor="ctr"/>
-                </a:tc>
-                <a:tc>
-                  <a:txBody>
-                    <a:bodyPr/>
-                    <a:lstStyle/>
-                    <a:p>
-                      <a:pPr algn="ctr"/>
-                      <a:r>
-                        <a:rPr lang="zh-CN" dirty="0">
-                          <a:ea typeface="Microsoft YaHei UI" panose="020B0503020204020204" pitchFamily="34" charset="-122"/>
-                        </a:rPr>
-                        <a:t>88</a:t>
-                      </a:r>
-                    </a:p>
-                  </a:txBody>
-                  <a:tcPr anchor="ctr"/>
-                </a:tc>
-                <a:extLst>
-                  <a:ext uri="{0D108BD9-81ED-4DB2-BD59-A6C34878D82A}">
-                    <a16:rowId xmlns:a16="http://schemas.microsoft.com/office/drawing/2014/main" val="10002"/>
-                  </a:ext>
-                </a:extLst>
-              </a:tr>
-              <a:tr h="535478">
-                <a:tc>
-                  <a:txBody>
-                    <a:bodyPr/>
-                    <a:lstStyle/>
-                    <a:p>
-                      <a:r>
-                        <a:rPr lang="zh-CN" dirty="0">
-                          <a:ea typeface="Microsoft YaHei UI" panose="020B0503020204020204" pitchFamily="34" charset="-122"/>
-                        </a:rPr>
-                        <a:t>类 3</a:t>
-                      </a:r>
-                    </a:p>
-                  </a:txBody>
-                  <a:tcPr anchor="ctr"/>
-                </a:tc>
-                <a:tc>
-                  <a:txBody>
-                    <a:bodyPr/>
-                    <a:lstStyle/>
-                    <a:p>
-                      <a:pPr algn="ctr"/>
-                      <a:r>
-                        <a:rPr lang="zh-CN" dirty="0">
-                          <a:ea typeface="Microsoft YaHei UI" panose="020B0503020204020204" pitchFamily="34" charset="-122"/>
-                        </a:rPr>
-                        <a:t>84</a:t>
-                      </a:r>
-                    </a:p>
-                  </a:txBody>
-                  <a:tcPr anchor="ctr"/>
-                </a:tc>
-                <a:tc>
-                  <a:txBody>
-                    <a:bodyPr/>
-                    <a:lstStyle/>
-                    <a:p>
-                      <a:pPr algn="ctr"/>
-                      <a:r>
-                        <a:rPr lang="zh-CN" dirty="0">
-                          <a:ea typeface="Microsoft YaHei UI" panose="020B0503020204020204" pitchFamily="34" charset="-122"/>
-                        </a:rPr>
-                        <a:t>90</a:t>
-                      </a:r>
-                    </a:p>
-                  </a:txBody>
-                  <a:tcPr anchor="ctr"/>
-                </a:tc>
-                <a:extLst>
-                  <a:ext uri="{0D108BD9-81ED-4DB2-BD59-A6C34878D82A}">
-                    <a16:rowId xmlns:a16="http://schemas.microsoft.com/office/drawing/2014/main" val="10003"/>
-                  </a:ext>
-                </a:extLst>
-              </a:tr>
-            </a:tbl>
-          </a:graphicData>
-        </a:graphic>
-      </p:graphicFrame>
-    </p:spTree>
-    <p:extLst>
-      <p:ext uri="{BB962C8B-B14F-4D97-AF65-F5344CB8AC3E}">
-        <p14:creationId xmlns:p14="http://schemas.microsoft.com/office/powerpoint/2010/main" val="2475092730"/>
-      </p:ext>
-    </p:extLst>
-  </p:cSld>
-  <p:clrMapOvr>
-    <a:masterClrMapping/>
-  </p:clrMapOvr>
-  <mc:AlternateContent xmlns:mc="http://schemas.openxmlformats.org/markup-compatibility/2006" xmlns:p14="http://schemas.microsoft.com/office/powerpoint/2010/main">
-    <mc:Choice Requires="p14">
-      <p:transition spd="med" p14:dur="700">
-        <p:fade/>
-      </p:transition>
-    </mc:Choice>
-    <mc:Fallback xmlns="">
-      <p:transition spd="med">
-        <p:fade/>
-      </p:transition>
-    </mc:Fallback>
-  </mc:AlternateContent>
-</p:sld>
-</file>
-
-<file path=ppt/slides/slide6.xml><?xml version="1.0" encoding="utf-8"?>
 <p:sld xmlns:a="http://schemas.openxmlformats.org/drawingml/2006/main" xmlns:r="http://schemas.openxmlformats.org/officeDocument/2006/relationships" xmlns:p="http://schemas.openxmlformats.org/presentationml/2006/main">
   <p:cSld>
     <p:spTree>
@@ -20219,7 +18856,7 @@
 </p:sld>
 </file>
 
-<file path=ppt/slides/slide7.xml><?xml version="1.0" encoding="utf-8"?>
+<file path=ppt/slides/slide13.xml><?xml version="1.0" encoding="utf-8"?>
 <p:sld xmlns:a="http://schemas.openxmlformats.org/drawingml/2006/main" xmlns:r="http://schemas.openxmlformats.org/officeDocument/2006/relationships" xmlns:p="http://schemas.openxmlformats.org/presentationml/2006/main">
   <p:cSld>
     <p:spTree>
@@ -20299,7 +18936,7 @@
 </p:sld>
 </file>
 
-<file path=ppt/slides/slide8.xml><?xml version="1.0" encoding="utf-8"?>
+<file path=ppt/slides/slide14.xml><?xml version="1.0" encoding="utf-8"?>
 <p:sld xmlns:a="http://schemas.openxmlformats.org/drawingml/2006/main" xmlns:r="http://schemas.openxmlformats.org/officeDocument/2006/relationships" xmlns:p="http://schemas.openxmlformats.org/presentationml/2006/main">
   <p:cSld>
     <p:spTree>
@@ -20436,7 +19073,7 @@
 </p:sld>
 </file>
 
-<file path=ppt/slides/slide9.xml><?xml version="1.0" encoding="utf-8"?>
+<file path=ppt/slides/slide15.xml><?xml version="1.0" encoding="utf-8"?>
 <p:sld xmlns:a="http://schemas.openxmlformats.org/drawingml/2006/main" xmlns:r="http://schemas.openxmlformats.org/officeDocument/2006/relationships" xmlns:p="http://schemas.openxmlformats.org/presentationml/2006/main">
   <p:cSld>
     <p:spTree>
@@ -20476,6 +19113,1600 @@
     <p:extLst>
       <p:ext uri="{BB962C8B-B14F-4D97-AF65-F5344CB8AC3E}">
         <p14:creationId xmlns:p14="http://schemas.microsoft.com/office/powerpoint/2010/main" val="2038633678"/>
+      </p:ext>
+    </p:extLst>
+  </p:cSld>
+  <p:clrMapOvr>
+    <a:masterClrMapping/>
+  </p:clrMapOvr>
+  <mc:AlternateContent xmlns:mc="http://schemas.openxmlformats.org/markup-compatibility/2006" xmlns:p14="http://schemas.microsoft.com/office/powerpoint/2010/main">
+    <mc:Choice Requires="p14">
+      <p:transition spd="med" p14:dur="700">
+        <p:fade/>
+      </p:transition>
+    </mc:Choice>
+    <mc:Fallback xmlns="">
+      <p:transition spd="med">
+        <p:fade/>
+      </p:transition>
+    </mc:Fallback>
+  </mc:AlternateContent>
+</p:sld>
+</file>
+
+<file path=ppt/slides/slide16.xml><?xml version="1.0" encoding="utf-8"?>
+<p:sld xmlns:a="http://schemas.openxmlformats.org/drawingml/2006/main" xmlns:r="http://schemas.openxmlformats.org/officeDocument/2006/relationships" xmlns:p="http://schemas.openxmlformats.org/presentationml/2006/main">
+  <p:cSld>
+    <p:spTree>
+      <p:nvGrpSpPr>
+        <p:cNvPr id="1" name=""/>
+        <p:cNvGrpSpPr/>
+        <p:nvPr/>
+      </p:nvGrpSpPr>
+      <p:grpSpPr>
+        <a:xfrm>
+          <a:off x="0" y="0"/>
+          <a:ext cx="0" cy="0"/>
+          <a:chOff x="0" y="0"/>
+          <a:chExt cx="0" cy="0"/>
+        </a:xfrm>
+      </p:grpSpPr>
+    </p:spTree>
+    <p:extLst>
+      <p:ext uri="{BB962C8B-B14F-4D97-AF65-F5344CB8AC3E}">
+        <p14:creationId xmlns:p14="http://schemas.microsoft.com/office/powerpoint/2010/main" val="1064580378"/>
+      </p:ext>
+    </p:extLst>
+  </p:cSld>
+  <p:clrMapOvr>
+    <a:masterClrMapping/>
+  </p:clrMapOvr>
+  <mc:AlternateContent xmlns:mc="http://schemas.openxmlformats.org/markup-compatibility/2006" xmlns:p14="http://schemas.microsoft.com/office/powerpoint/2010/main">
+    <mc:Choice Requires="p14">
+      <p:transition spd="med" p14:dur="700">
+        <p:fade/>
+      </p:transition>
+    </mc:Choice>
+    <mc:Fallback xmlns="">
+      <p:transition spd="med">
+        <p:fade/>
+      </p:transition>
+    </mc:Fallback>
+  </mc:AlternateContent>
+</p:sld>
+</file>
+
+<file path=ppt/slides/slide17.xml><?xml version="1.0" encoding="utf-8"?>
+<p:sld xmlns:a="http://schemas.openxmlformats.org/drawingml/2006/main" xmlns:r="http://schemas.openxmlformats.org/officeDocument/2006/relationships" xmlns:p="http://schemas.openxmlformats.org/presentationml/2006/main">
+  <p:cSld>
+    <p:spTree>
+      <p:nvGrpSpPr>
+        <p:cNvPr id="1" name=""/>
+        <p:cNvGrpSpPr/>
+        <p:nvPr/>
+      </p:nvGrpSpPr>
+      <p:grpSpPr>
+        <a:xfrm>
+          <a:off x="0" y="0"/>
+          <a:ext cx="0" cy="0"/>
+          <a:chOff x="0" y="0"/>
+          <a:chExt cx="0" cy="0"/>
+        </a:xfrm>
+      </p:grpSpPr>
+      <p:sp>
+        <p:nvSpPr>
+          <p:cNvPr id="2" name="标题 1"/>
+          <p:cNvSpPr>
+            <a:spLocks noGrp="1"/>
+          </p:cNvSpPr>
+          <p:nvPr>
+            <p:ph type="title"/>
+          </p:nvPr>
+        </p:nvSpPr>
+        <p:spPr/>
+        <p:txBody>
+          <a:bodyPr/>
+          <a:lstStyle/>
+          <a:p>
+            <a:endParaRPr lang="zh-CN" altLang="en-US"/>
+          </a:p>
+        </p:txBody>
+      </p:sp>
+      <p:sp>
+        <p:nvSpPr>
+          <p:cNvPr id="3" name="内容占位符 2"/>
+          <p:cNvSpPr>
+            <a:spLocks noGrp="1"/>
+          </p:cNvSpPr>
+          <p:nvPr>
+            <p:ph idx="1"/>
+          </p:nvPr>
+        </p:nvSpPr>
+        <p:spPr/>
+        <p:txBody>
+          <a:bodyPr/>
+          <a:lstStyle/>
+          <a:p>
+            <a:endParaRPr lang="zh-CN" altLang="en-US"/>
+          </a:p>
+        </p:txBody>
+      </p:sp>
+      <p:sp>
+        <p:nvSpPr>
+          <p:cNvPr id="4" name="文本占位符 3"/>
+          <p:cNvSpPr>
+            <a:spLocks noGrp="1"/>
+          </p:cNvSpPr>
+          <p:nvPr>
+            <p:ph type="body" sz="half" idx="2"/>
+          </p:nvPr>
+        </p:nvSpPr>
+        <p:spPr/>
+        <p:txBody>
+          <a:bodyPr/>
+          <a:lstStyle/>
+          <a:p>
+            <a:endParaRPr lang="zh-CN" altLang="en-US"/>
+          </a:p>
+        </p:txBody>
+      </p:sp>
+    </p:spTree>
+    <p:extLst>
+      <p:ext uri="{BB962C8B-B14F-4D97-AF65-F5344CB8AC3E}">
+        <p14:creationId xmlns:p14="http://schemas.microsoft.com/office/powerpoint/2010/main" val="155366748"/>
+      </p:ext>
+    </p:extLst>
+  </p:cSld>
+  <p:clrMapOvr>
+    <a:masterClrMapping/>
+  </p:clrMapOvr>
+  <mc:AlternateContent xmlns:mc="http://schemas.openxmlformats.org/markup-compatibility/2006" xmlns:p14="http://schemas.microsoft.com/office/powerpoint/2010/main">
+    <mc:Choice Requires="p14">
+      <p:transition spd="med" p14:dur="700">
+        <p:fade/>
+      </p:transition>
+    </mc:Choice>
+    <mc:Fallback xmlns="">
+      <p:transition spd="med">
+        <p:fade/>
+      </p:transition>
+    </mc:Fallback>
+  </mc:AlternateContent>
+</p:sld>
+</file>
+
+<file path=ppt/slides/slide18.xml><?xml version="1.0" encoding="utf-8"?>
+<p:sld xmlns:a="http://schemas.openxmlformats.org/drawingml/2006/main" xmlns:r="http://schemas.openxmlformats.org/officeDocument/2006/relationships" xmlns:p="http://schemas.openxmlformats.org/presentationml/2006/main">
+  <p:cSld>
+    <p:spTree>
+      <p:nvGrpSpPr>
+        <p:cNvPr id="1" name=""/>
+        <p:cNvGrpSpPr/>
+        <p:nvPr/>
+      </p:nvGrpSpPr>
+      <p:grpSpPr>
+        <a:xfrm>
+          <a:off x="0" y="0"/>
+          <a:ext cx="0" cy="0"/>
+          <a:chOff x="0" y="0"/>
+          <a:chExt cx="0" cy="0"/>
+        </a:xfrm>
+      </p:grpSpPr>
+      <p:sp>
+        <p:nvSpPr>
+          <p:cNvPr id="2" name="图片占位符 1"/>
+          <p:cNvSpPr>
+            <a:spLocks noGrp="1"/>
+          </p:cNvSpPr>
+          <p:nvPr>
+            <p:ph type="pic" idx="1"/>
+          </p:nvPr>
+        </p:nvSpPr>
+        <p:spPr/>
+      </p:sp>
+      <p:sp>
+        <p:nvSpPr>
+          <p:cNvPr id="3" name="标题 2"/>
+          <p:cNvSpPr>
+            <a:spLocks noGrp="1"/>
+          </p:cNvSpPr>
+          <p:nvPr>
+            <p:ph type="title"/>
+          </p:nvPr>
+        </p:nvSpPr>
+        <p:spPr/>
+        <p:txBody>
+          <a:bodyPr/>
+          <a:lstStyle/>
+          <a:p>
+            <a:endParaRPr lang="zh-CN" altLang="en-US" dirty="0"/>
+          </a:p>
+        </p:txBody>
+      </p:sp>
+      <p:sp>
+        <p:nvSpPr>
+          <p:cNvPr id="4" name="文本占位符 3"/>
+          <p:cNvSpPr>
+            <a:spLocks noGrp="1"/>
+          </p:cNvSpPr>
+          <p:nvPr>
+            <p:ph type="body" sz="half" idx="2"/>
+          </p:nvPr>
+        </p:nvSpPr>
+        <p:spPr/>
+        <p:txBody>
+          <a:bodyPr/>
+          <a:lstStyle/>
+          <a:p>
+            <a:endParaRPr lang="zh-CN" altLang="en-US"/>
+          </a:p>
+        </p:txBody>
+      </p:sp>
+    </p:spTree>
+    <p:extLst>
+      <p:ext uri="{BB962C8B-B14F-4D97-AF65-F5344CB8AC3E}">
+        <p14:creationId xmlns:p14="http://schemas.microsoft.com/office/powerpoint/2010/main" val="2830249321"/>
+      </p:ext>
+    </p:extLst>
+  </p:cSld>
+  <p:clrMapOvr>
+    <a:masterClrMapping/>
+  </p:clrMapOvr>
+  <mc:AlternateContent xmlns:mc="http://schemas.openxmlformats.org/markup-compatibility/2006" xmlns:p14="http://schemas.microsoft.com/office/powerpoint/2010/main">
+    <mc:Choice Requires="p14">
+      <p:transition spd="med" p14:dur="700">
+        <p:fade/>
+      </p:transition>
+    </mc:Choice>
+    <mc:Fallback xmlns="">
+      <p:transition spd="med">
+        <p:fade/>
+      </p:transition>
+    </mc:Fallback>
+  </mc:AlternateContent>
+</p:sld>
+</file>
+
+<file path=ppt/slides/slide2.xml><?xml version="1.0" encoding="utf-8"?>
+<p:sld xmlns:a="http://schemas.openxmlformats.org/drawingml/2006/main" xmlns:r="http://schemas.openxmlformats.org/officeDocument/2006/relationships" xmlns:p="http://schemas.openxmlformats.org/presentationml/2006/main">
+  <p:cSld>
+    <p:spTree>
+      <p:nvGrpSpPr>
+        <p:cNvPr id="1" name=""/>
+        <p:cNvGrpSpPr/>
+        <p:nvPr/>
+      </p:nvGrpSpPr>
+      <p:grpSpPr>
+        <a:xfrm>
+          <a:off x="0" y="0"/>
+          <a:ext cx="0" cy="0"/>
+          <a:chOff x="0" y="0"/>
+          <a:chExt cx="0" cy="0"/>
+        </a:xfrm>
+      </p:grpSpPr>
+      <p:sp>
+        <p:nvSpPr>
+          <p:cNvPr id="3" name="内容占位符 2"/>
+          <p:cNvSpPr>
+            <a:spLocks noGrp="1"/>
+          </p:cNvSpPr>
+          <p:nvPr>
+            <p:ph idx="1"/>
+          </p:nvPr>
+        </p:nvSpPr>
+        <p:spPr/>
+        <p:txBody>
+          <a:bodyPr/>
+          <a:lstStyle/>
+          <a:p>
+            <a:r>
+              <a:rPr lang="en-US" altLang="zh-CN" dirty="0"/>
+              <a:t>UML (Unified Modeling Language)</a:t>
+            </a:r>
+            <a:r>
+              <a:rPr lang="zh-CN" altLang="zh-CN" dirty="0"/>
+              <a:t>为面向对象软件设计提供统一的、标准的、可视化的建模语言。适用于描述以用例为驱动，以体系结构为中心的软件设计的全过程。</a:t>
+            </a:r>
+            <a:r>
+              <a:rPr lang="en-US" altLang="zh-CN" dirty="0"/>
+              <a:t>  </a:t>
+            </a:r>
+            <a:endParaRPr lang="zh-CN" altLang="zh-CN" dirty="0"/>
+          </a:p>
+          <a:p>
+            <a:r>
+              <a:rPr lang="en-US" altLang="zh-CN" dirty="0"/>
+              <a:t>UML</a:t>
+            </a:r>
+            <a:r>
+              <a:rPr lang="zh-CN" altLang="zh-CN" dirty="0"/>
+              <a:t>的定义包括</a:t>
+            </a:r>
+            <a:r>
+              <a:rPr lang="en-US" altLang="zh-CN" dirty="0"/>
+              <a:t>UML</a:t>
+            </a:r>
+            <a:r>
+              <a:rPr lang="zh-CN" altLang="zh-CN" dirty="0"/>
+              <a:t>语义和</a:t>
+            </a:r>
+            <a:r>
+              <a:rPr lang="en-US" altLang="zh-CN" dirty="0"/>
+              <a:t>UML</a:t>
+            </a:r>
+            <a:r>
+              <a:rPr lang="zh-CN" altLang="zh-CN" dirty="0"/>
+              <a:t>表示法两个部分。 </a:t>
+            </a:r>
+          </a:p>
+          <a:p>
+            <a:r>
+              <a:rPr lang="en-US" altLang="zh-CN" dirty="0"/>
+              <a:t>UML</a:t>
+            </a:r>
+            <a:r>
+              <a:rPr lang="zh-CN" altLang="zh-CN" dirty="0"/>
+              <a:t>语义：</a:t>
+            </a:r>
+            <a:r>
+              <a:rPr lang="en-US" altLang="zh-CN" dirty="0"/>
+              <a:t>UML</a:t>
+            </a:r>
+            <a:r>
+              <a:rPr lang="zh-CN" altLang="zh-CN" dirty="0"/>
+              <a:t>对语义的描述使开发者能在语义上取得一致认识，消除了因人而异的表达方法所造成的影响。</a:t>
+            </a:r>
+          </a:p>
+          <a:p>
+            <a:r>
+              <a:rPr lang="en-US" altLang="zh-CN" dirty="0"/>
+              <a:t>UML</a:t>
+            </a:r>
+            <a:r>
+              <a:rPr lang="zh-CN" altLang="zh-CN" dirty="0"/>
+              <a:t>表示法：</a:t>
+            </a:r>
+            <a:r>
+              <a:rPr lang="en-US" altLang="zh-CN" dirty="0"/>
+              <a:t>UML</a:t>
+            </a:r>
+            <a:r>
+              <a:rPr lang="zh-CN" altLang="zh-CN" dirty="0"/>
+              <a:t>表示法定义</a:t>
+            </a:r>
+            <a:r>
+              <a:rPr lang="en-US" altLang="zh-CN" dirty="0"/>
+              <a:t>UML</a:t>
+            </a:r>
+            <a:r>
+              <a:rPr lang="zh-CN" altLang="zh-CN" dirty="0"/>
+              <a:t>符号的表示法，为开发者或开发工具使用这图形符号和文本语法为系统建模提供了标准。</a:t>
+            </a:r>
+          </a:p>
+          <a:p>
+            <a:pPr marL="0" indent="0">
+              <a:buNone/>
+            </a:pPr>
+            <a:endParaRPr lang="zh-CN" dirty="0"/>
+          </a:p>
+        </p:txBody>
+      </p:sp>
+      <p:sp>
+        <p:nvSpPr>
+          <p:cNvPr id="5" name="标题 1">
+            <a:extLst>
+              <a:ext uri="{FF2B5EF4-FFF2-40B4-BE49-F238E27FC236}">
+                <a16:creationId xmlns:a16="http://schemas.microsoft.com/office/drawing/2014/main" id="{024008C6-E4AD-408C-B796-AE8E8742092D}"/>
+              </a:ext>
+            </a:extLst>
+          </p:cNvPr>
+          <p:cNvSpPr txBox="1">
+            <a:spLocks/>
+          </p:cNvSpPr>
+          <p:nvPr/>
+        </p:nvSpPr>
+        <p:spPr>
+          <a:xfrm>
+            <a:off x="1447800" y="656253"/>
+            <a:ext cx="9601200" cy="1142385"/>
+          </a:xfrm>
+          <a:prstGeom prst="rect">
+            <a:avLst/>
+          </a:prstGeom>
+        </p:spPr>
+        <p:txBody>
+          <a:bodyPr vert="horz" lIns="91440" tIns="45720" rIns="91440" bIns="45720" rtlCol="0" anchor="b">
+            <a:normAutofit/>
+          </a:bodyPr>
+          <a:lstStyle>
+            <a:lvl1pPr algn="l" defTabSz="914400" rtl="0" eaLnBrk="1" latinLnBrk="0" hangingPunct="1">
+              <a:lnSpc>
+                <a:spcPct val="90000"/>
+              </a:lnSpc>
+              <a:spcBef>
+                <a:spcPct val="0"/>
+              </a:spcBef>
+              <a:buNone/>
+              <a:defRPr lang="zh-CN" sz="3200" b="1" kern="1200">
+                <a:solidFill>
+                  <a:schemeClr val="accent1"/>
+                </a:solidFill>
+                <a:latin typeface="+mj-lt"/>
+                <a:ea typeface="Microsoft YaHei UI" panose="020B0503020204020204" pitchFamily="34" charset="-122"/>
+                <a:cs typeface="+mj-cs"/>
+              </a:defRPr>
+            </a:lvl1pPr>
+          </a:lstStyle>
+          <a:p>
+            <a:r>
+              <a:rPr lang="en-US" altLang="zh-CN" dirty="0"/>
+              <a:t>1.1</a:t>
+            </a:r>
+            <a:r>
+              <a:rPr lang="zh-CN" altLang="en-US" dirty="0"/>
+              <a:t>、</a:t>
+            </a:r>
+            <a:r>
+              <a:rPr lang="en-US" altLang="zh-CN" dirty="0"/>
+              <a:t>UML</a:t>
+            </a:r>
+            <a:r>
+              <a:rPr lang="zh-CN" altLang="zh-CN" dirty="0"/>
+              <a:t>简介</a:t>
+            </a:r>
+            <a:endParaRPr lang="zh-CN" altLang="en-US" dirty="0"/>
+          </a:p>
+        </p:txBody>
+      </p:sp>
+    </p:spTree>
+    <p:extLst>
+      <p:ext uri="{BB962C8B-B14F-4D97-AF65-F5344CB8AC3E}">
+        <p14:creationId xmlns:p14="http://schemas.microsoft.com/office/powerpoint/2010/main" val="3984617762"/>
+      </p:ext>
+    </p:extLst>
+  </p:cSld>
+  <p:clrMapOvr>
+    <a:masterClrMapping/>
+  </p:clrMapOvr>
+  <mc:AlternateContent xmlns:mc="http://schemas.openxmlformats.org/markup-compatibility/2006" xmlns:p14="http://schemas.microsoft.com/office/powerpoint/2010/main">
+    <mc:Choice Requires="p14">
+      <p:transition spd="med" p14:dur="700">
+        <p:fade/>
+      </p:transition>
+    </mc:Choice>
+    <mc:Fallback xmlns="">
+      <p:transition spd="med">
+        <p:fade/>
+      </p:transition>
+    </mc:Fallback>
+  </mc:AlternateContent>
+</p:sld>
+</file>
+
+<file path=ppt/slides/slide3.xml><?xml version="1.0" encoding="utf-8"?>
+<p:sld xmlns:a="http://schemas.openxmlformats.org/drawingml/2006/main" xmlns:r="http://schemas.openxmlformats.org/officeDocument/2006/relationships" xmlns:p="http://schemas.openxmlformats.org/presentationml/2006/main">
+  <p:cSld>
+    <p:spTree>
+      <p:nvGrpSpPr>
+        <p:cNvPr id="1" name=""/>
+        <p:cNvGrpSpPr/>
+        <p:nvPr/>
+      </p:nvGrpSpPr>
+      <p:grpSpPr>
+        <a:xfrm>
+          <a:off x="0" y="0"/>
+          <a:ext cx="0" cy="0"/>
+          <a:chOff x="0" y="0"/>
+          <a:chExt cx="0" cy="0"/>
+        </a:xfrm>
+      </p:grpSpPr>
+      <p:sp>
+        <p:nvSpPr>
+          <p:cNvPr id="2" name="标题 1">
+            <a:extLst>
+              <a:ext uri="{FF2B5EF4-FFF2-40B4-BE49-F238E27FC236}">
+                <a16:creationId xmlns:a16="http://schemas.microsoft.com/office/drawing/2014/main" id="{B039544B-2504-4A22-95B1-B0D67957CB68}"/>
+              </a:ext>
+            </a:extLst>
+          </p:cNvPr>
+          <p:cNvSpPr>
+            <a:spLocks noGrp="1"/>
+          </p:cNvSpPr>
+          <p:nvPr>
+            <p:ph type="title"/>
+          </p:nvPr>
+        </p:nvSpPr>
+        <p:spPr/>
+        <p:txBody>
+          <a:bodyPr/>
+          <a:lstStyle/>
+          <a:p>
+            <a:r>
+              <a:rPr lang="en-US" altLang="zh-CN" dirty="0"/>
+              <a:t>1.2	UML</a:t>
+            </a:r>
+            <a:r>
+              <a:rPr lang="zh-CN" altLang="en-US" dirty="0"/>
+              <a:t>的构成</a:t>
+            </a:r>
+          </a:p>
+        </p:txBody>
+      </p:sp>
+      <p:sp>
+        <p:nvSpPr>
+          <p:cNvPr id="3" name="内容占位符 2">
+            <a:extLst>
+              <a:ext uri="{FF2B5EF4-FFF2-40B4-BE49-F238E27FC236}">
+                <a16:creationId xmlns:a16="http://schemas.microsoft.com/office/drawing/2014/main" id="{94441DF5-3702-4156-8AD3-3D42D2C05BE0}"/>
+              </a:ext>
+            </a:extLst>
+          </p:cNvPr>
+          <p:cNvSpPr>
+            <a:spLocks noGrp="1"/>
+          </p:cNvSpPr>
+          <p:nvPr>
+            <p:ph idx="1"/>
+          </p:nvPr>
+        </p:nvSpPr>
+        <p:spPr/>
+        <p:txBody>
+          <a:bodyPr/>
+          <a:lstStyle/>
+          <a:p>
+            <a:r>
+              <a:rPr lang="zh-CN" altLang="zh-CN" dirty="0"/>
+              <a:t>事物</a:t>
+            </a:r>
+            <a:r>
+              <a:rPr lang="en-US" altLang="zh-CN" dirty="0"/>
+              <a:t>(Things)</a:t>
+            </a:r>
+            <a:r>
+              <a:rPr lang="zh-CN" altLang="zh-CN" dirty="0"/>
+              <a:t>：</a:t>
+            </a:r>
+            <a:r>
+              <a:rPr lang="en-US" altLang="zh-CN" dirty="0"/>
+              <a:t>UML</a:t>
+            </a:r>
+            <a:r>
+              <a:rPr lang="zh-CN" altLang="zh-CN" dirty="0"/>
+              <a:t>模型中最基本的构成元素，是具有代表性的成分的抽象</a:t>
+            </a:r>
+          </a:p>
+          <a:p>
+            <a:r>
+              <a:rPr lang="zh-CN" altLang="zh-CN" dirty="0"/>
+              <a:t>关系</a:t>
+            </a:r>
+            <a:r>
+              <a:rPr lang="en-US" altLang="zh-CN" dirty="0"/>
+              <a:t>(Relationships)</a:t>
+            </a:r>
+            <a:r>
+              <a:rPr lang="zh-CN" altLang="zh-CN" dirty="0"/>
+              <a:t>：关系把事物紧密联系在一起</a:t>
+            </a:r>
+          </a:p>
+          <a:p>
+            <a:r>
+              <a:rPr lang="zh-CN" altLang="zh-CN" dirty="0"/>
+              <a:t>图</a:t>
+            </a:r>
+            <a:r>
+              <a:rPr lang="en-US" altLang="zh-CN" dirty="0"/>
+              <a:t>(Diagrams )</a:t>
+            </a:r>
+            <a:r>
+              <a:rPr lang="zh-CN" altLang="zh-CN" dirty="0"/>
+              <a:t>：图是事物和关系的可视化表示</a:t>
+            </a:r>
+          </a:p>
+          <a:p>
+            <a:endParaRPr lang="zh-CN" altLang="en-US" dirty="0"/>
+          </a:p>
+        </p:txBody>
+      </p:sp>
+    </p:spTree>
+    <p:extLst>
+      <p:ext uri="{BB962C8B-B14F-4D97-AF65-F5344CB8AC3E}">
+        <p14:creationId xmlns:p14="http://schemas.microsoft.com/office/powerpoint/2010/main" val="3494820425"/>
+      </p:ext>
+    </p:extLst>
+  </p:cSld>
+  <p:clrMapOvr>
+    <a:masterClrMapping/>
+  </p:clrMapOvr>
+  <mc:AlternateContent xmlns:mc="http://schemas.openxmlformats.org/markup-compatibility/2006" xmlns:p14="http://schemas.microsoft.com/office/powerpoint/2010/main">
+    <mc:Choice Requires="p14">
+      <p:transition spd="med" p14:dur="700">
+        <p:fade/>
+      </p:transition>
+    </mc:Choice>
+    <mc:Fallback xmlns="">
+      <p:transition spd="med">
+        <p:fade/>
+      </p:transition>
+    </mc:Fallback>
+  </mc:AlternateContent>
+</p:sld>
+</file>
+
+<file path=ppt/slides/slide4.xml><?xml version="1.0" encoding="utf-8"?>
+<p:sld xmlns:a="http://schemas.openxmlformats.org/drawingml/2006/main" xmlns:r="http://schemas.openxmlformats.org/officeDocument/2006/relationships" xmlns:p="http://schemas.openxmlformats.org/presentationml/2006/main">
+  <p:cSld>
+    <p:spTree>
+      <p:nvGrpSpPr>
+        <p:cNvPr id="1" name=""/>
+        <p:cNvGrpSpPr/>
+        <p:nvPr/>
+      </p:nvGrpSpPr>
+      <p:grpSpPr>
+        <a:xfrm>
+          <a:off x="0" y="0"/>
+          <a:ext cx="0" cy="0"/>
+          <a:chOff x="0" y="0"/>
+          <a:chExt cx="0" cy="0"/>
+        </a:xfrm>
+      </p:grpSpPr>
+      <p:sp>
+        <p:nvSpPr>
+          <p:cNvPr id="2" name="标题 1">
+            <a:extLst>
+              <a:ext uri="{FF2B5EF4-FFF2-40B4-BE49-F238E27FC236}">
+                <a16:creationId xmlns:a16="http://schemas.microsoft.com/office/drawing/2014/main" id="{838C1415-D6F4-498A-B1B9-BB70836765AD}"/>
+              </a:ext>
+            </a:extLst>
+          </p:cNvPr>
+          <p:cNvSpPr>
+            <a:spLocks noGrp="1"/>
+          </p:cNvSpPr>
+          <p:nvPr>
+            <p:ph type="title"/>
+          </p:nvPr>
+        </p:nvSpPr>
+        <p:spPr/>
+        <p:txBody>
+          <a:bodyPr/>
+          <a:lstStyle/>
+          <a:p>
+            <a:r>
+              <a:rPr lang="en-US" altLang="zh-CN" dirty="0"/>
+              <a:t>1.2.1	</a:t>
+            </a:r>
+            <a:r>
+              <a:rPr lang="zh-CN" altLang="en-US" dirty="0"/>
+              <a:t>、</a:t>
+            </a:r>
+            <a:r>
+              <a:rPr lang="en-US" altLang="zh-CN" dirty="0"/>
+              <a:t>UML</a:t>
+            </a:r>
+            <a:r>
+              <a:rPr lang="zh-CN" altLang="en-US" dirty="0"/>
+              <a:t>事物</a:t>
+            </a:r>
+          </a:p>
+        </p:txBody>
+      </p:sp>
+      <p:sp>
+        <p:nvSpPr>
+          <p:cNvPr id="3" name="内容占位符 2">
+            <a:extLst>
+              <a:ext uri="{FF2B5EF4-FFF2-40B4-BE49-F238E27FC236}">
+                <a16:creationId xmlns:a16="http://schemas.microsoft.com/office/drawing/2014/main" id="{DF524FFB-6918-41C1-BEC9-046E35287FB2}"/>
+              </a:ext>
+            </a:extLst>
+          </p:cNvPr>
+          <p:cNvSpPr>
+            <a:spLocks noGrp="1"/>
+          </p:cNvSpPr>
+          <p:nvPr>
+            <p:ph idx="1"/>
+          </p:nvPr>
+        </p:nvSpPr>
+        <p:spPr/>
+        <p:txBody>
+          <a:bodyPr/>
+          <a:lstStyle/>
+          <a:p>
+            <a:pPr marL="0" indent="0">
+              <a:buNone/>
+            </a:pPr>
+            <a:r>
+              <a:rPr lang="en-US" altLang="zh-CN" dirty="0"/>
+              <a:t>UML</a:t>
+            </a:r>
+            <a:r>
+              <a:rPr lang="zh-CN" altLang="zh-CN" dirty="0"/>
+              <a:t>包含</a:t>
+            </a:r>
+            <a:r>
+              <a:rPr lang="en-US" altLang="zh-CN" dirty="0"/>
+              <a:t>4</a:t>
+            </a:r>
+            <a:r>
+              <a:rPr lang="zh-CN" altLang="zh-CN" dirty="0"/>
+              <a:t>种事物：构件事物、行为事物、分组事物、注释事物。</a:t>
+            </a:r>
+          </a:p>
+          <a:p>
+            <a:pPr marL="0" indent="0">
+              <a:buNone/>
+            </a:pPr>
+            <a:endParaRPr lang="zh-CN" altLang="en-US" dirty="0"/>
+          </a:p>
+        </p:txBody>
+      </p:sp>
+    </p:spTree>
+    <p:extLst>
+      <p:ext uri="{BB962C8B-B14F-4D97-AF65-F5344CB8AC3E}">
+        <p14:creationId xmlns:p14="http://schemas.microsoft.com/office/powerpoint/2010/main" val="1406453431"/>
+      </p:ext>
+    </p:extLst>
+  </p:cSld>
+  <p:clrMapOvr>
+    <a:masterClrMapping/>
+  </p:clrMapOvr>
+  <mc:AlternateContent xmlns:mc="http://schemas.openxmlformats.org/markup-compatibility/2006" xmlns:p14="http://schemas.microsoft.com/office/powerpoint/2010/main">
+    <mc:Choice Requires="p14">
+      <p:transition spd="med" p14:dur="700">
+        <p:fade/>
+      </p:transition>
+    </mc:Choice>
+    <mc:Fallback xmlns="">
+      <p:transition spd="med">
+        <p:fade/>
+      </p:transition>
+    </mc:Fallback>
+  </mc:AlternateContent>
+</p:sld>
+</file>
+
+<file path=ppt/slides/slide5.xml><?xml version="1.0" encoding="utf-8"?>
+<p:sld xmlns:a="http://schemas.openxmlformats.org/drawingml/2006/main" xmlns:r="http://schemas.openxmlformats.org/officeDocument/2006/relationships" xmlns:p="http://schemas.openxmlformats.org/presentationml/2006/main">
+  <p:cSld>
+    <p:spTree>
+      <p:nvGrpSpPr>
+        <p:cNvPr id="1" name=""/>
+        <p:cNvGrpSpPr/>
+        <p:nvPr/>
+      </p:nvGrpSpPr>
+      <p:grpSpPr>
+        <a:xfrm>
+          <a:off x="0" y="0"/>
+          <a:ext cx="0" cy="0"/>
+          <a:chOff x="0" y="0"/>
+          <a:chExt cx="0" cy="0"/>
+        </a:xfrm>
+      </p:grpSpPr>
+      <p:sp>
+        <p:nvSpPr>
+          <p:cNvPr id="2" name="标题 1">
+            <a:extLst>
+              <a:ext uri="{FF2B5EF4-FFF2-40B4-BE49-F238E27FC236}">
+                <a16:creationId xmlns:a16="http://schemas.microsoft.com/office/drawing/2014/main" id="{3BB2A7F8-1F3A-4819-85EA-6ABEF4681D2F}"/>
+              </a:ext>
+            </a:extLst>
+          </p:cNvPr>
+          <p:cNvSpPr>
+            <a:spLocks noGrp="1"/>
+          </p:cNvSpPr>
+          <p:nvPr>
+            <p:ph type="title"/>
+          </p:nvPr>
+        </p:nvSpPr>
+        <p:spPr/>
+        <p:txBody>
+          <a:bodyPr/>
+          <a:lstStyle/>
+          <a:p>
+            <a:r>
+              <a:rPr lang="en-US" altLang="zh-CN" dirty="0"/>
+              <a:t>1.2.1</a:t>
+            </a:r>
+            <a:r>
+              <a:rPr lang="zh-CN" altLang="en-US" dirty="0"/>
+              <a:t>、</a:t>
+            </a:r>
+            <a:r>
+              <a:rPr lang="en-US" altLang="zh-CN" dirty="0"/>
+              <a:t>UML</a:t>
+            </a:r>
+            <a:r>
+              <a:rPr lang="zh-CN" altLang="en-US" dirty="0"/>
+              <a:t>事物</a:t>
+            </a:r>
+          </a:p>
+        </p:txBody>
+      </p:sp>
+      <p:sp>
+        <p:nvSpPr>
+          <p:cNvPr id="3" name="内容占位符 2">
+            <a:extLst>
+              <a:ext uri="{FF2B5EF4-FFF2-40B4-BE49-F238E27FC236}">
+                <a16:creationId xmlns:a16="http://schemas.microsoft.com/office/drawing/2014/main" id="{EE6CBDFC-F7A0-4D94-BB5D-B5C52531D71D}"/>
+              </a:ext>
+            </a:extLst>
+          </p:cNvPr>
+          <p:cNvSpPr>
+            <a:spLocks noGrp="1"/>
+          </p:cNvSpPr>
+          <p:nvPr>
+            <p:ph idx="1"/>
+          </p:nvPr>
+        </p:nvSpPr>
+        <p:spPr/>
+        <p:txBody>
+          <a:bodyPr>
+            <a:normAutofit lnSpcReduction="10000"/>
+          </a:bodyPr>
+          <a:lstStyle/>
+          <a:p>
+            <a:pPr marL="0" indent="0">
+              <a:buNone/>
+            </a:pPr>
+            <a:r>
+              <a:rPr lang="zh-CN" altLang="en-US" b="1" dirty="0"/>
+              <a:t>（一）</a:t>
+            </a:r>
+            <a:r>
+              <a:rPr lang="zh-CN" altLang="zh-CN" b="1" dirty="0"/>
+              <a:t>构件事物：</a:t>
+            </a:r>
+            <a:r>
+              <a:rPr lang="en-US" altLang="zh-CN" b="1" dirty="0"/>
+              <a:t> UML</a:t>
+            </a:r>
+            <a:r>
+              <a:rPr lang="zh-CN" altLang="zh-CN" b="1" dirty="0"/>
+              <a:t>模型的静态部分，描述概念或物理元素</a:t>
+            </a:r>
+            <a:endParaRPr lang="zh-CN" altLang="zh-CN" dirty="0"/>
+          </a:p>
+          <a:p>
+            <a:pPr lvl="0"/>
+            <a:r>
+              <a:rPr lang="zh-CN" altLang="zh-CN" dirty="0"/>
+              <a:t>类：具有相同属性相同操作 相同关系相同语义的对象的描述</a:t>
+            </a:r>
+          </a:p>
+          <a:p>
+            <a:pPr lvl="0"/>
+            <a:r>
+              <a:rPr lang="zh-CN" altLang="zh-CN" dirty="0"/>
+              <a:t>接口：描述元素的外部可见行为，即服务集合的定义说明</a:t>
+            </a:r>
+          </a:p>
+          <a:p>
+            <a:pPr lvl="0"/>
+            <a:r>
+              <a:rPr lang="zh-CN" altLang="zh-CN" dirty="0"/>
+              <a:t>协作：描述了一组事物间的相互作用的集合</a:t>
+            </a:r>
+          </a:p>
+          <a:p>
+            <a:pPr lvl="0"/>
+            <a:r>
+              <a:rPr lang="zh-CN" altLang="zh-CN" dirty="0"/>
+              <a:t>用例：代表一个系统或系统的一部分行为，是一组动作序列的集合</a:t>
+            </a:r>
+          </a:p>
+          <a:p>
+            <a:pPr lvl="0"/>
+            <a:r>
+              <a:rPr lang="zh-CN" altLang="zh-CN" dirty="0"/>
+              <a:t>构件：系统中物理存在，可替换的部件</a:t>
+            </a:r>
+          </a:p>
+          <a:p>
+            <a:pPr lvl="0"/>
+            <a:r>
+              <a:rPr lang="zh-CN" altLang="zh-CN" dirty="0"/>
+              <a:t>节点：运行时存在的物理元素</a:t>
+            </a:r>
+          </a:p>
+          <a:p>
+            <a:pPr marL="0" indent="0">
+              <a:buNone/>
+            </a:pPr>
+            <a:r>
+              <a:rPr lang="zh-CN" altLang="zh-CN" dirty="0"/>
+              <a:t>另外，参与者、信号应用、文档库、页表等都是上述基本事物的变体</a:t>
+            </a:r>
+          </a:p>
+          <a:p>
+            <a:pPr marL="0" indent="0">
+              <a:buNone/>
+            </a:pPr>
+            <a:endParaRPr lang="zh-CN" altLang="en-US" dirty="0"/>
+          </a:p>
+        </p:txBody>
+      </p:sp>
+    </p:spTree>
+    <p:extLst>
+      <p:ext uri="{BB962C8B-B14F-4D97-AF65-F5344CB8AC3E}">
+        <p14:creationId xmlns:p14="http://schemas.microsoft.com/office/powerpoint/2010/main" val="60813006"/>
+      </p:ext>
+    </p:extLst>
+  </p:cSld>
+  <p:clrMapOvr>
+    <a:masterClrMapping/>
+  </p:clrMapOvr>
+  <mc:AlternateContent xmlns:mc="http://schemas.openxmlformats.org/markup-compatibility/2006" xmlns:p14="http://schemas.microsoft.com/office/powerpoint/2010/main">
+    <mc:Choice Requires="p14">
+      <p:transition spd="med" p14:dur="700">
+        <p:fade/>
+      </p:transition>
+    </mc:Choice>
+    <mc:Fallback xmlns="">
+      <p:transition spd="med">
+        <p:fade/>
+      </p:transition>
+    </mc:Fallback>
+  </mc:AlternateContent>
+</p:sld>
+</file>
+
+<file path=ppt/slides/slide6.xml><?xml version="1.0" encoding="utf-8"?>
+<p:sld xmlns:a="http://schemas.openxmlformats.org/drawingml/2006/main" xmlns:r="http://schemas.openxmlformats.org/officeDocument/2006/relationships" xmlns:p="http://schemas.openxmlformats.org/presentationml/2006/main">
+  <p:cSld>
+    <p:spTree>
+      <p:nvGrpSpPr>
+        <p:cNvPr id="1" name=""/>
+        <p:cNvGrpSpPr/>
+        <p:nvPr/>
+      </p:nvGrpSpPr>
+      <p:grpSpPr>
+        <a:xfrm>
+          <a:off x="0" y="0"/>
+          <a:ext cx="0" cy="0"/>
+          <a:chOff x="0" y="0"/>
+          <a:chExt cx="0" cy="0"/>
+        </a:xfrm>
+      </p:grpSpPr>
+      <p:sp>
+        <p:nvSpPr>
+          <p:cNvPr id="2" name="标题 1">
+            <a:extLst>
+              <a:ext uri="{FF2B5EF4-FFF2-40B4-BE49-F238E27FC236}">
+                <a16:creationId xmlns:a16="http://schemas.microsoft.com/office/drawing/2014/main" id="{6E957570-BEE7-4795-938F-B830FDC4376D}"/>
+              </a:ext>
+            </a:extLst>
+          </p:cNvPr>
+          <p:cNvSpPr>
+            <a:spLocks noGrp="1"/>
+          </p:cNvSpPr>
+          <p:nvPr>
+            <p:ph type="title"/>
+          </p:nvPr>
+        </p:nvSpPr>
+        <p:spPr/>
+        <p:txBody>
+          <a:bodyPr/>
+          <a:lstStyle/>
+          <a:p>
+            <a:r>
+              <a:rPr lang="en-US" altLang="zh-CN" dirty="0"/>
+              <a:t>1.2.1</a:t>
+            </a:r>
+            <a:r>
+              <a:rPr lang="zh-CN" altLang="en-US" dirty="0"/>
+              <a:t>、</a:t>
+            </a:r>
+            <a:r>
+              <a:rPr lang="en-US" altLang="zh-CN" dirty="0"/>
+              <a:t>UML</a:t>
+            </a:r>
+            <a:r>
+              <a:rPr lang="zh-CN" altLang="en-US" dirty="0"/>
+              <a:t>事物</a:t>
+            </a:r>
+          </a:p>
+        </p:txBody>
+      </p:sp>
+      <p:sp>
+        <p:nvSpPr>
+          <p:cNvPr id="3" name="内容占位符 2">
+            <a:extLst>
+              <a:ext uri="{FF2B5EF4-FFF2-40B4-BE49-F238E27FC236}">
+                <a16:creationId xmlns:a16="http://schemas.microsoft.com/office/drawing/2014/main" id="{E22192DF-BF06-40CD-8F04-3A9B68FD66F5}"/>
+              </a:ext>
+            </a:extLst>
+          </p:cNvPr>
+          <p:cNvSpPr>
+            <a:spLocks noGrp="1"/>
+          </p:cNvSpPr>
+          <p:nvPr>
+            <p:ph idx="1"/>
+          </p:nvPr>
+        </p:nvSpPr>
+        <p:spPr/>
+        <p:txBody>
+          <a:bodyPr/>
+          <a:lstStyle/>
+          <a:p>
+            <a:pPr marL="0" lvl="0" indent="0">
+              <a:buNone/>
+            </a:pPr>
+            <a:r>
+              <a:rPr lang="zh-CN" altLang="en-US" b="1" dirty="0"/>
+              <a:t>（二）</a:t>
+            </a:r>
+            <a:r>
+              <a:rPr lang="zh-CN" altLang="zh-CN" b="1" dirty="0"/>
+              <a:t>行为事物：</a:t>
+            </a:r>
+            <a:r>
+              <a:rPr lang="en-US" altLang="zh-CN" b="1" dirty="0"/>
+              <a:t>UML</a:t>
+            </a:r>
+            <a:r>
+              <a:rPr lang="zh-CN" altLang="zh-CN" b="1" dirty="0"/>
+              <a:t>模型图的动态部分，描述跨越空间和时间的行为</a:t>
+            </a:r>
+            <a:endParaRPr lang="zh-CN" altLang="zh-CN" dirty="0"/>
+          </a:p>
+          <a:p>
+            <a:pPr lvl="0"/>
+            <a:r>
+              <a:rPr lang="zh-CN" altLang="zh-CN" dirty="0"/>
+              <a:t>交互：实现某功能的一组构件事物之间的消息的集合，涉及消息、动作序列、链接</a:t>
+            </a:r>
+          </a:p>
+          <a:p>
+            <a:pPr lvl="0"/>
+            <a:r>
+              <a:rPr lang="zh-CN" altLang="zh-CN" dirty="0"/>
+              <a:t>状态机：描述事物或交互在生命周期内响应事件所经历的状态序列</a:t>
+            </a:r>
+          </a:p>
+          <a:p>
+            <a:pPr marL="0" indent="0">
+              <a:buNone/>
+            </a:pPr>
+            <a:endParaRPr lang="zh-CN" altLang="en-US" dirty="0"/>
+          </a:p>
+        </p:txBody>
+      </p:sp>
+    </p:spTree>
+    <p:extLst>
+      <p:ext uri="{BB962C8B-B14F-4D97-AF65-F5344CB8AC3E}">
+        <p14:creationId xmlns:p14="http://schemas.microsoft.com/office/powerpoint/2010/main" val="1270875318"/>
+      </p:ext>
+    </p:extLst>
+  </p:cSld>
+  <p:clrMapOvr>
+    <a:masterClrMapping/>
+  </p:clrMapOvr>
+  <mc:AlternateContent xmlns:mc="http://schemas.openxmlformats.org/markup-compatibility/2006" xmlns:p14="http://schemas.microsoft.com/office/powerpoint/2010/main">
+    <mc:Choice Requires="p14">
+      <p:transition spd="med" p14:dur="700">
+        <p:fade/>
+      </p:transition>
+    </mc:Choice>
+    <mc:Fallback xmlns="">
+      <p:transition spd="med">
+        <p:fade/>
+      </p:transition>
+    </mc:Fallback>
+  </mc:AlternateContent>
+</p:sld>
+</file>
+
+<file path=ppt/slides/slide7.xml><?xml version="1.0" encoding="utf-8"?>
+<p:sld xmlns:a="http://schemas.openxmlformats.org/drawingml/2006/main" xmlns:r="http://schemas.openxmlformats.org/officeDocument/2006/relationships" xmlns:p="http://schemas.openxmlformats.org/presentationml/2006/main">
+  <p:cSld>
+    <p:spTree>
+      <p:nvGrpSpPr>
+        <p:cNvPr id="1" name=""/>
+        <p:cNvGrpSpPr/>
+        <p:nvPr/>
+      </p:nvGrpSpPr>
+      <p:grpSpPr>
+        <a:xfrm>
+          <a:off x="0" y="0"/>
+          <a:ext cx="0" cy="0"/>
+          <a:chOff x="0" y="0"/>
+          <a:chExt cx="0" cy="0"/>
+        </a:xfrm>
+      </p:grpSpPr>
+      <p:sp>
+        <p:nvSpPr>
+          <p:cNvPr id="2" name="标题 1">
+            <a:extLst>
+              <a:ext uri="{FF2B5EF4-FFF2-40B4-BE49-F238E27FC236}">
+                <a16:creationId xmlns:a16="http://schemas.microsoft.com/office/drawing/2014/main" id="{D22F4E0D-3A89-409C-B2CE-D29DD290A0C3}"/>
+              </a:ext>
+            </a:extLst>
+          </p:cNvPr>
+          <p:cNvSpPr>
+            <a:spLocks noGrp="1"/>
+          </p:cNvSpPr>
+          <p:nvPr>
+            <p:ph type="title"/>
+          </p:nvPr>
+        </p:nvSpPr>
+        <p:spPr/>
+        <p:txBody>
+          <a:bodyPr/>
+          <a:lstStyle/>
+          <a:p>
+            <a:r>
+              <a:rPr lang="en-US" altLang="zh-CN" dirty="0"/>
+              <a:t>1.2.1</a:t>
+            </a:r>
+            <a:r>
+              <a:rPr lang="zh-CN" altLang="en-US" dirty="0"/>
+              <a:t>、</a:t>
+            </a:r>
+            <a:r>
+              <a:rPr lang="en-US" altLang="zh-CN" dirty="0"/>
+              <a:t>UML</a:t>
+            </a:r>
+            <a:r>
+              <a:rPr lang="zh-CN" altLang="en-US" dirty="0"/>
+              <a:t>事物</a:t>
+            </a:r>
+          </a:p>
+        </p:txBody>
+      </p:sp>
+      <p:sp>
+        <p:nvSpPr>
+          <p:cNvPr id="3" name="内容占位符 2">
+            <a:extLst>
+              <a:ext uri="{FF2B5EF4-FFF2-40B4-BE49-F238E27FC236}">
+                <a16:creationId xmlns:a16="http://schemas.microsoft.com/office/drawing/2014/main" id="{C600B4D8-73F3-49E8-9D89-8C69E3F25E3C}"/>
+              </a:ext>
+            </a:extLst>
+          </p:cNvPr>
+          <p:cNvSpPr>
+            <a:spLocks noGrp="1"/>
+          </p:cNvSpPr>
+          <p:nvPr>
+            <p:ph idx="1"/>
+          </p:nvPr>
+        </p:nvSpPr>
+        <p:spPr/>
+        <p:txBody>
+          <a:bodyPr/>
+          <a:lstStyle/>
+          <a:p>
+            <a:pPr marL="0" indent="0">
+              <a:buNone/>
+            </a:pPr>
+            <a:r>
+              <a:rPr lang="zh-CN" altLang="en-US" b="1" dirty="0"/>
+              <a:t>（三）</a:t>
+            </a:r>
+            <a:r>
+              <a:rPr lang="zh-CN" altLang="zh-CN" b="1" dirty="0"/>
+              <a:t>分组事物：</a:t>
+            </a:r>
+            <a:r>
+              <a:rPr lang="en-US" altLang="zh-CN" b="1" dirty="0"/>
+              <a:t> UML</a:t>
+            </a:r>
+            <a:r>
+              <a:rPr lang="zh-CN" altLang="zh-CN" b="1" dirty="0"/>
+              <a:t>模型图的组织部分，描述事物的组织结构</a:t>
+            </a:r>
+            <a:endParaRPr lang="zh-CN" altLang="zh-CN" dirty="0"/>
+          </a:p>
+          <a:p>
+            <a:pPr marL="0" indent="0">
+              <a:buNone/>
+            </a:pPr>
+            <a:r>
+              <a:rPr lang="zh-CN" altLang="zh-CN" dirty="0"/>
+              <a:t>包： 把元素组织成组的机制</a:t>
+            </a:r>
+          </a:p>
+          <a:p>
+            <a:pPr marL="0" indent="0">
+              <a:buNone/>
+            </a:pPr>
+            <a:endParaRPr lang="zh-CN" altLang="en-US" dirty="0"/>
+          </a:p>
+        </p:txBody>
+      </p:sp>
+    </p:spTree>
+    <p:extLst>
+      <p:ext uri="{BB962C8B-B14F-4D97-AF65-F5344CB8AC3E}">
+        <p14:creationId xmlns:p14="http://schemas.microsoft.com/office/powerpoint/2010/main" val="768235669"/>
+      </p:ext>
+    </p:extLst>
+  </p:cSld>
+  <p:clrMapOvr>
+    <a:masterClrMapping/>
+  </p:clrMapOvr>
+  <mc:AlternateContent xmlns:mc="http://schemas.openxmlformats.org/markup-compatibility/2006" xmlns:p14="http://schemas.microsoft.com/office/powerpoint/2010/main">
+    <mc:Choice Requires="p14">
+      <p:transition spd="med" p14:dur="700">
+        <p:fade/>
+      </p:transition>
+    </mc:Choice>
+    <mc:Fallback xmlns="">
+      <p:transition spd="med">
+        <p:fade/>
+      </p:transition>
+    </mc:Fallback>
+  </mc:AlternateContent>
+</p:sld>
+</file>
+
+<file path=ppt/slides/slide8.xml><?xml version="1.0" encoding="utf-8"?>
+<p:sld xmlns:a="http://schemas.openxmlformats.org/drawingml/2006/main" xmlns:r="http://schemas.openxmlformats.org/officeDocument/2006/relationships" xmlns:p="http://schemas.openxmlformats.org/presentationml/2006/main">
+  <p:cSld>
+    <p:spTree>
+      <p:nvGrpSpPr>
+        <p:cNvPr id="1" name=""/>
+        <p:cNvGrpSpPr/>
+        <p:nvPr/>
+      </p:nvGrpSpPr>
+      <p:grpSpPr>
+        <a:xfrm>
+          <a:off x="0" y="0"/>
+          <a:ext cx="0" cy="0"/>
+          <a:chOff x="0" y="0"/>
+          <a:chExt cx="0" cy="0"/>
+        </a:xfrm>
+      </p:grpSpPr>
+      <p:sp>
+        <p:nvSpPr>
+          <p:cNvPr id="2" name="标题 1">
+            <a:extLst>
+              <a:ext uri="{FF2B5EF4-FFF2-40B4-BE49-F238E27FC236}">
+                <a16:creationId xmlns:a16="http://schemas.microsoft.com/office/drawing/2014/main" id="{DF5DD87E-C47D-4B90-9EDE-FD5AC3262A7C}"/>
+              </a:ext>
+            </a:extLst>
+          </p:cNvPr>
+          <p:cNvSpPr>
+            <a:spLocks noGrp="1"/>
+          </p:cNvSpPr>
+          <p:nvPr>
+            <p:ph type="title"/>
+          </p:nvPr>
+        </p:nvSpPr>
+        <p:spPr/>
+        <p:txBody>
+          <a:bodyPr/>
+          <a:lstStyle/>
+          <a:p>
+            <a:r>
+              <a:rPr lang="en-US" altLang="zh-CN" dirty="0"/>
+              <a:t>1.2.1</a:t>
+            </a:r>
+            <a:r>
+              <a:rPr lang="zh-CN" altLang="en-US" dirty="0"/>
+              <a:t>、</a:t>
+            </a:r>
+            <a:r>
+              <a:rPr lang="en-US" altLang="zh-CN" dirty="0"/>
+              <a:t>UML</a:t>
+            </a:r>
+            <a:r>
+              <a:rPr lang="zh-CN" altLang="en-US" dirty="0"/>
+              <a:t>事物</a:t>
+            </a:r>
+          </a:p>
+        </p:txBody>
+      </p:sp>
+      <p:sp>
+        <p:nvSpPr>
+          <p:cNvPr id="3" name="内容占位符 2">
+            <a:extLst>
+              <a:ext uri="{FF2B5EF4-FFF2-40B4-BE49-F238E27FC236}">
+                <a16:creationId xmlns:a16="http://schemas.microsoft.com/office/drawing/2014/main" id="{4DDA5220-F01A-439D-A318-283276E11FB3}"/>
+              </a:ext>
+            </a:extLst>
+          </p:cNvPr>
+          <p:cNvSpPr>
+            <a:spLocks noGrp="1"/>
+          </p:cNvSpPr>
+          <p:nvPr>
+            <p:ph idx="1"/>
+          </p:nvPr>
+        </p:nvSpPr>
+        <p:spPr/>
+        <p:txBody>
+          <a:bodyPr/>
+          <a:lstStyle/>
+          <a:p>
+            <a:pPr marL="0" indent="0">
+              <a:buNone/>
+            </a:pPr>
+            <a:r>
+              <a:rPr lang="zh-CN" altLang="en-US" b="1" dirty="0"/>
+              <a:t>（四）</a:t>
+            </a:r>
+            <a:r>
+              <a:rPr lang="zh-CN" altLang="zh-CN" b="1" dirty="0"/>
+              <a:t>注释事物：</a:t>
+            </a:r>
+            <a:r>
+              <a:rPr lang="en-US" altLang="zh-CN" b="1" dirty="0"/>
+              <a:t> UML</a:t>
+            </a:r>
+            <a:r>
+              <a:rPr lang="zh-CN" altLang="zh-CN" b="1" dirty="0"/>
+              <a:t>模型的解释部分，用来对模型中的元素进行说明，解释</a:t>
+            </a:r>
+            <a:endParaRPr lang="en-US" altLang="zh-CN" b="1" dirty="0"/>
+          </a:p>
+          <a:p>
+            <a:pPr marL="0" indent="0">
+              <a:buNone/>
+            </a:pPr>
+            <a:endParaRPr lang="zh-CN" altLang="zh-CN" dirty="0"/>
+          </a:p>
+          <a:p>
+            <a:r>
+              <a:rPr lang="zh-CN" altLang="zh-CN" dirty="0"/>
+              <a:t>注解 ：对元素进行约束或解释的简单符号</a:t>
+            </a:r>
+          </a:p>
+          <a:p>
+            <a:endParaRPr lang="zh-CN" altLang="en-US" dirty="0"/>
+          </a:p>
+        </p:txBody>
+      </p:sp>
+    </p:spTree>
+    <p:extLst>
+      <p:ext uri="{BB962C8B-B14F-4D97-AF65-F5344CB8AC3E}">
+        <p14:creationId xmlns:p14="http://schemas.microsoft.com/office/powerpoint/2010/main" val="1744810088"/>
+      </p:ext>
+    </p:extLst>
+  </p:cSld>
+  <p:clrMapOvr>
+    <a:masterClrMapping/>
+  </p:clrMapOvr>
+  <mc:AlternateContent xmlns:mc="http://schemas.openxmlformats.org/markup-compatibility/2006" xmlns:p14="http://schemas.microsoft.com/office/powerpoint/2010/main">
+    <mc:Choice Requires="p14">
+      <p:transition spd="med" p14:dur="700">
+        <p:fade/>
+      </p:transition>
+    </mc:Choice>
+    <mc:Fallback xmlns="">
+      <p:transition spd="med">
+        <p:fade/>
+      </p:transition>
+    </mc:Fallback>
+  </mc:AlternateContent>
+</p:sld>
+</file>
+
+<file path=ppt/slides/slide9.xml><?xml version="1.0" encoding="utf-8"?>
+<p:sld xmlns:a="http://schemas.openxmlformats.org/drawingml/2006/main" xmlns:r="http://schemas.openxmlformats.org/officeDocument/2006/relationships" xmlns:p="http://schemas.openxmlformats.org/presentationml/2006/main">
+  <p:cSld>
+    <p:spTree>
+      <p:nvGrpSpPr>
+        <p:cNvPr id="1" name=""/>
+        <p:cNvGrpSpPr/>
+        <p:nvPr/>
+      </p:nvGrpSpPr>
+      <p:grpSpPr>
+        <a:xfrm>
+          <a:off x="0" y="0"/>
+          <a:ext cx="0" cy="0"/>
+          <a:chOff x="0" y="0"/>
+          <a:chExt cx="0" cy="0"/>
+        </a:xfrm>
+      </p:grpSpPr>
+      <p:sp>
+        <p:nvSpPr>
+          <p:cNvPr id="2" name="标题 1"/>
+          <p:cNvSpPr>
+            <a:spLocks noGrp="1"/>
+          </p:cNvSpPr>
+          <p:nvPr>
+            <p:ph type="title"/>
+          </p:nvPr>
+        </p:nvSpPr>
+        <p:spPr/>
+        <p:txBody>
+          <a:bodyPr/>
+          <a:lstStyle/>
+          <a:p>
+            <a:r>
+              <a:rPr lang="en-US" altLang="zh-CN" dirty="0"/>
+              <a:t>1.2.2	</a:t>
+            </a:r>
+            <a:r>
+              <a:rPr lang="zh-CN" altLang="en-US" dirty="0"/>
+              <a:t>、</a:t>
+            </a:r>
+            <a:r>
+              <a:rPr lang="en-US" altLang="zh-CN" dirty="0"/>
+              <a:t>UML</a:t>
+            </a:r>
+            <a:r>
+              <a:rPr lang="zh-CN" altLang="en-US" dirty="0"/>
+              <a:t>关系</a:t>
+            </a:r>
+            <a:endParaRPr lang="zh-CN" dirty="0"/>
+          </a:p>
+        </p:txBody>
+      </p:sp>
+      <p:sp>
+        <p:nvSpPr>
+          <p:cNvPr id="3" name="内容占位符 2">
+            <a:extLst>
+              <a:ext uri="{FF2B5EF4-FFF2-40B4-BE49-F238E27FC236}">
+                <a16:creationId xmlns:a16="http://schemas.microsoft.com/office/drawing/2014/main" id="{BD674741-4F9A-4A9B-B52B-D15DDD73F238}"/>
+              </a:ext>
+            </a:extLst>
+          </p:cNvPr>
+          <p:cNvSpPr>
+            <a:spLocks noGrp="1"/>
+          </p:cNvSpPr>
+          <p:nvPr>
+            <p:ph idx="1"/>
+          </p:nvPr>
+        </p:nvSpPr>
+        <p:spPr>
+          <a:xfrm>
+            <a:off x="1295400" y="1981202"/>
+            <a:ext cx="10039350" cy="4000498"/>
+          </a:xfrm>
+        </p:spPr>
+        <p:txBody>
+          <a:bodyPr>
+            <a:normAutofit fontScale="92500" lnSpcReduction="20000"/>
+          </a:bodyPr>
+          <a:lstStyle/>
+          <a:p>
+            <a:pPr lvl="0"/>
+            <a:r>
+              <a:rPr lang="zh-CN" altLang="zh-CN" b="1" dirty="0"/>
+              <a:t>依赖</a:t>
+            </a:r>
+            <a:endParaRPr lang="zh-CN" altLang="zh-CN" dirty="0"/>
+          </a:p>
+          <a:p>
+            <a:pPr marL="0" indent="0">
+              <a:buNone/>
+            </a:pPr>
+            <a:r>
+              <a:rPr lang="zh-CN" altLang="zh-CN" dirty="0"/>
+              <a:t>依赖</a:t>
+            </a:r>
+            <a:r>
+              <a:rPr lang="en-US" altLang="zh-CN" dirty="0"/>
+              <a:t>(dependency)</a:t>
+            </a:r>
+            <a:r>
+              <a:rPr lang="zh-CN" altLang="zh-CN" dirty="0"/>
+              <a:t>是两个事物之间的语义关系，其中一个事物</a:t>
+            </a:r>
+            <a:r>
+              <a:rPr lang="en-US" altLang="zh-CN" dirty="0"/>
+              <a:t>(</a:t>
+            </a:r>
+            <a:r>
+              <a:rPr lang="zh-CN" altLang="zh-CN" dirty="0"/>
+              <a:t>独立事物</a:t>
+            </a:r>
+            <a:r>
+              <a:rPr lang="en-US" altLang="zh-CN" dirty="0"/>
+              <a:t>)</a:t>
+            </a:r>
+            <a:r>
+              <a:rPr lang="zh-CN" altLang="zh-CN" dirty="0"/>
+              <a:t>发生变化，会影响到另一个事物</a:t>
+            </a:r>
+            <a:r>
+              <a:rPr lang="en-US" altLang="zh-CN" dirty="0"/>
+              <a:t>(</a:t>
+            </a:r>
+            <a:r>
+              <a:rPr lang="zh-CN" altLang="zh-CN" dirty="0"/>
+              <a:t>依赖事物</a:t>
+            </a:r>
+            <a:r>
+              <a:rPr lang="en-US" altLang="zh-CN" dirty="0"/>
+              <a:t>)</a:t>
+            </a:r>
+            <a:r>
+              <a:rPr lang="zh-CN" altLang="zh-CN" dirty="0"/>
+              <a:t>的语义</a:t>
+            </a:r>
+          </a:p>
+          <a:p>
+            <a:pPr lvl="0"/>
+            <a:r>
+              <a:rPr lang="zh-CN" altLang="zh-CN" b="1" dirty="0"/>
+              <a:t>关联</a:t>
+            </a:r>
+            <a:endParaRPr lang="zh-CN" altLang="zh-CN" dirty="0"/>
+          </a:p>
+          <a:p>
+            <a:pPr marL="0" indent="0">
+              <a:buNone/>
+            </a:pPr>
+            <a:r>
+              <a:rPr lang="zh-CN" altLang="zh-CN" dirty="0"/>
+              <a:t>关联</a:t>
+            </a:r>
+            <a:r>
+              <a:rPr lang="en-US" altLang="zh-CN" dirty="0"/>
+              <a:t>(association)</a:t>
+            </a:r>
+            <a:r>
+              <a:rPr lang="zh-CN" altLang="zh-CN" dirty="0"/>
+              <a:t>是一种结构关系，它指明一个事物的对象与另一个事物的对象间的联系。</a:t>
+            </a:r>
+          </a:p>
+          <a:p>
+            <a:pPr lvl="0"/>
+            <a:r>
+              <a:rPr lang="zh-CN" altLang="zh-CN" b="1" dirty="0"/>
+              <a:t>泛化</a:t>
+            </a:r>
+            <a:endParaRPr lang="zh-CN" altLang="zh-CN" dirty="0"/>
+          </a:p>
+          <a:p>
+            <a:pPr marL="0" indent="0">
+              <a:buNone/>
+            </a:pPr>
+            <a:r>
+              <a:rPr lang="zh-CN" altLang="zh-CN" dirty="0"/>
+              <a:t>泛化</a:t>
+            </a:r>
+            <a:r>
+              <a:rPr lang="en-US" altLang="zh-CN" dirty="0"/>
+              <a:t>(generalization)</a:t>
+            </a:r>
+            <a:r>
+              <a:rPr lang="zh-CN" altLang="zh-CN" dirty="0"/>
+              <a:t>是一种特殊</a:t>
+            </a:r>
+            <a:r>
+              <a:rPr lang="en-US" altLang="zh-CN" dirty="0"/>
+              <a:t>/</a:t>
+            </a:r>
+            <a:r>
+              <a:rPr lang="zh-CN" altLang="zh-CN" dirty="0"/>
+              <a:t>一般的关系。也可以看作是常说的继承关系</a:t>
+            </a:r>
+          </a:p>
+          <a:p>
+            <a:pPr lvl="0"/>
+            <a:r>
+              <a:rPr lang="zh-CN" altLang="zh-CN" b="1" dirty="0"/>
+              <a:t>实现</a:t>
+            </a:r>
+            <a:endParaRPr lang="zh-CN" altLang="zh-CN" dirty="0"/>
+          </a:p>
+          <a:p>
+            <a:pPr marL="0" indent="0">
+              <a:buNone/>
+            </a:pPr>
+            <a:r>
+              <a:rPr lang="zh-CN" altLang="zh-CN" dirty="0"/>
+              <a:t>实现</a:t>
+            </a:r>
+            <a:r>
+              <a:rPr lang="en-US" altLang="zh-CN" dirty="0"/>
+              <a:t>(realization)</a:t>
+            </a:r>
+            <a:r>
+              <a:rPr lang="zh-CN" altLang="zh-CN" dirty="0"/>
+              <a:t>是类元之间的语义关系，其中的一个类元指定了由另一个类元保证执行的契约</a:t>
+            </a:r>
+          </a:p>
+          <a:p>
+            <a:pPr marL="0" indent="0">
+              <a:buNone/>
+            </a:pPr>
+            <a:endParaRPr lang="zh-CN" altLang="en-US" dirty="0"/>
+          </a:p>
+        </p:txBody>
+      </p:sp>
+    </p:spTree>
+    <p:extLst>
+      <p:ext uri="{BB962C8B-B14F-4D97-AF65-F5344CB8AC3E}">
+        <p14:creationId xmlns:p14="http://schemas.microsoft.com/office/powerpoint/2010/main" val="1476019738"/>
       </p:ext>
     </p:extLst>
   </p:cSld>
